--- a/Documents/論文簡報_FINAL.pptx
+++ b/Documents/論文簡報_FINAL.pptx
@@ -17133,7 +17133,7 @@
                 <a:ea typeface="標楷體" panose="03000509000000000000" pitchFamily="65" charset="-120"/>
                 <a:cs typeface="Times New Roman" panose="02020603050405020304" pitchFamily="18" charset="0"/>
               </a:rPr>
-              <a:t>Events</a:t>
+              <a:t>Event</a:t>
             </a:r>
             <a:r>
               <a:rPr lang="zh-TW" altLang="en-US" sz="2000" dirty="0" smtClean="0">
@@ -17155,8 +17155,16 @@
                 <a:ea typeface="標楷體" panose="03000509000000000000" pitchFamily="65" charset="-120"/>
                 <a:cs typeface="Times New Roman" panose="02020603050405020304" pitchFamily="18" charset="0"/>
               </a:rPr>
-              <a:t>Logs</a:t>
-            </a:r>
+              <a:t>Log</a:t>
+            </a:r>
+            <a:endParaRPr lang="en-US" altLang="zh-TW" sz="2000" dirty="0" smtClean="0">
+              <a:solidFill>
+                <a:schemeClr val="tx1"/>
+              </a:solidFill>
+              <a:latin typeface="Times New Roman" panose="02020603050405020304" pitchFamily="18" charset="0"/>
+              <a:ea typeface="標楷體" panose="03000509000000000000" pitchFamily="65" charset="-120"/>
+              <a:cs typeface="Times New Roman" panose="02020603050405020304" pitchFamily="18" charset="0"/>
+            </a:endParaRPr>
           </a:p>
           <a:p>
             <a:pPr>
@@ -22647,7 +22655,7 @@
         </p:nvSpPr>
         <p:spPr>
           <a:xfrm>
-            <a:off x="6592663" y="2254126"/>
+            <a:off x="6682712" y="2245294"/>
             <a:ext cx="604653" cy="276999"/>
           </a:xfrm>
           <a:prstGeom prst="rect">
@@ -24176,10 +24184,6 @@
               </a:rPr>
               <a:t>）</a:t>
             </a:r>
-            <a:endParaRPr lang="zh-TW" altLang="en-US" dirty="0">
-              <a:latin typeface="Times New Roman" panose="02020603050405020304" pitchFamily="18" charset="0"/>
-              <a:cs typeface="Times New Roman" panose="02020603050405020304" pitchFamily="18" charset="0"/>
-            </a:endParaRPr>
           </a:p>
         </p:txBody>
       </p:sp>
@@ -25239,6 +25243,144 @@
           </a:graphicData>
         </a:graphic>
       </p:graphicFrame>
+      <p:sp>
+        <p:nvSpPr>
+          <p:cNvPr id="9" name="矩形 8"/>
+          <p:cNvSpPr/>
+          <p:nvPr/>
+        </p:nvSpPr>
+        <p:spPr>
+          <a:xfrm>
+            <a:off x="3376068" y="1659026"/>
+            <a:ext cx="2606457" cy="739942"/>
+          </a:xfrm>
+          <a:prstGeom prst="rect">
+            <a:avLst/>
+          </a:prstGeom>
+          <a:noFill/>
+          <a:ln>
+            <a:solidFill>
+              <a:srgbClr val="FF0000"/>
+            </a:solidFill>
+          </a:ln>
+        </p:spPr>
+        <p:style>
+          <a:lnRef idx="2">
+            <a:schemeClr val="accent1">
+              <a:shade val="50000"/>
+            </a:schemeClr>
+          </a:lnRef>
+          <a:fillRef idx="1">
+            <a:schemeClr val="accent1"/>
+          </a:fillRef>
+          <a:effectRef idx="0">
+            <a:schemeClr val="accent1"/>
+          </a:effectRef>
+          <a:fontRef idx="minor">
+            <a:schemeClr val="lt1"/>
+          </a:fontRef>
+        </p:style>
+        <p:txBody>
+          <a:bodyPr rtlCol="0" anchor="ctr"/>
+          <a:lstStyle/>
+          <a:p>
+            <a:pPr algn="ctr"/>
+            <a:endParaRPr lang="zh-TW" altLang="en-US"/>
+          </a:p>
+        </p:txBody>
+      </p:sp>
+      <p:sp>
+        <p:nvSpPr>
+          <p:cNvPr id="11" name="矩形 10"/>
+          <p:cNvSpPr/>
+          <p:nvPr/>
+        </p:nvSpPr>
+        <p:spPr>
+          <a:xfrm>
+            <a:off x="1062346" y="2368654"/>
+            <a:ext cx="3488025" cy="802606"/>
+          </a:xfrm>
+          <a:prstGeom prst="rect">
+            <a:avLst/>
+          </a:prstGeom>
+          <a:noFill/>
+          <a:ln>
+            <a:solidFill>
+              <a:srgbClr val="FF0000"/>
+            </a:solidFill>
+          </a:ln>
+        </p:spPr>
+        <p:style>
+          <a:lnRef idx="2">
+            <a:schemeClr val="accent1">
+              <a:shade val="50000"/>
+            </a:schemeClr>
+          </a:lnRef>
+          <a:fillRef idx="1">
+            <a:schemeClr val="accent1"/>
+          </a:fillRef>
+          <a:effectRef idx="0">
+            <a:schemeClr val="accent1"/>
+          </a:effectRef>
+          <a:fontRef idx="minor">
+            <a:schemeClr val="lt1"/>
+          </a:fontRef>
+        </p:style>
+        <p:txBody>
+          <a:bodyPr rtlCol="0" anchor="ctr"/>
+          <a:lstStyle/>
+          <a:p>
+            <a:pPr algn="ctr"/>
+            <a:endParaRPr lang="zh-TW" altLang="en-US"/>
+          </a:p>
+        </p:txBody>
+      </p:sp>
+      <p:sp>
+        <p:nvSpPr>
+          <p:cNvPr id="14" name="矩形 13"/>
+          <p:cNvSpPr/>
+          <p:nvPr/>
+        </p:nvSpPr>
+        <p:spPr>
+          <a:xfrm>
+            <a:off x="2986532" y="2189459"/>
+            <a:ext cx="3624290" cy="1314249"/>
+          </a:xfrm>
+          <a:prstGeom prst="rect">
+            <a:avLst/>
+          </a:prstGeom>
+          <a:noFill/>
+          <a:ln>
+            <a:solidFill>
+              <a:srgbClr val="FF0000"/>
+            </a:solidFill>
+          </a:ln>
+        </p:spPr>
+        <p:style>
+          <a:lnRef idx="2">
+            <a:schemeClr val="accent1">
+              <a:shade val="50000"/>
+            </a:schemeClr>
+          </a:lnRef>
+          <a:fillRef idx="1">
+            <a:schemeClr val="accent1"/>
+          </a:fillRef>
+          <a:effectRef idx="0">
+            <a:schemeClr val="accent1"/>
+          </a:effectRef>
+          <a:fontRef idx="minor">
+            <a:schemeClr val="lt1"/>
+          </a:fontRef>
+        </p:style>
+        <p:txBody>
+          <a:bodyPr rtlCol="0" anchor="ctr"/>
+          <a:lstStyle/>
+          <a:p>
+            <a:pPr algn="ctr"/>
+            <a:endParaRPr lang="zh-TW" altLang="en-US"/>
+          </a:p>
+        </p:txBody>
+      </p:sp>
     </p:spTree>
     <p:extLst>
       <p:ext uri="{BB962C8B-B14F-4D97-AF65-F5344CB8AC3E}">
@@ -25532,6 +25674,41 @@
                                   </p:childTnLst>
                                 </p:cTn>
                               </p:par>
+                              <p:par>
+                                <p:cTn id="28" presetID="14" presetClass="entr" presetSubtype="10" fill="hold" grpId="0" nodeType="withEffect">
+                                  <p:stCondLst>
+                                    <p:cond delay="0"/>
+                                  </p:stCondLst>
+                                  <p:childTnLst>
+                                    <p:set>
+                                      <p:cBhvr>
+                                        <p:cTn id="29" dur="1" fill="hold">
+                                          <p:stCondLst>
+                                            <p:cond delay="0"/>
+                                          </p:stCondLst>
+                                        </p:cTn>
+                                        <p:tgtEl>
+                                          <p:spTgt spid="9"/>
+                                        </p:tgtEl>
+                                        <p:attrNameLst>
+                                          <p:attrName>style.visibility</p:attrName>
+                                        </p:attrNameLst>
+                                      </p:cBhvr>
+                                      <p:to>
+                                        <p:strVal val="visible"/>
+                                      </p:to>
+                                    </p:set>
+                                    <p:animEffect transition="in" filter="randombar(horizontal)">
+                                      <p:cBhvr>
+                                        <p:cTn id="30" dur="500"/>
+                                        <p:tgtEl>
+                                          <p:spTgt spid="9"/>
+                                        </p:tgtEl>
+                                      </p:cBhvr>
+                                    </p:animEffect>
+                                  </p:childTnLst>
+                                </p:cTn>
+                              </p:par>
                             </p:childTnLst>
                           </p:cTn>
                         </p:par>
@@ -25539,26 +25716,26 @@
                     </p:cTn>
                   </p:par>
                   <p:par>
-                    <p:cTn id="28" fill="hold">
+                    <p:cTn id="31" fill="hold">
                       <p:stCondLst>
                         <p:cond delay="indefinite"/>
                       </p:stCondLst>
                       <p:childTnLst>
                         <p:par>
-                          <p:cTn id="29" fill="hold">
+                          <p:cTn id="32" fill="hold">
                             <p:stCondLst>
                               <p:cond delay="0"/>
                             </p:stCondLst>
                             <p:childTnLst>
                               <p:par>
-                                <p:cTn id="30" presetID="14" presetClass="entr" presetSubtype="10" fill="hold" grpId="0" nodeType="clickEffect">
+                                <p:cTn id="33" presetID="14" presetClass="entr" presetSubtype="10" fill="hold" grpId="0" nodeType="clickEffect">
                                   <p:stCondLst>
                                     <p:cond delay="0"/>
                                   </p:stCondLst>
                                   <p:childTnLst>
                                     <p:set>
                                       <p:cBhvr>
-                                        <p:cTn id="31" dur="1" fill="hold">
+                                        <p:cTn id="34" dur="1" fill="hold">
                                           <p:stCondLst>
                                             <p:cond delay="0"/>
                                           </p:stCondLst>
@@ -25576,44 +25753,9 @@
                                     </p:set>
                                     <p:animEffect transition="in" filter="randombar(horizontal)">
                                       <p:cBhvr>
-                                        <p:cTn id="32" dur="500"/>
+                                        <p:cTn id="35" dur="500"/>
                                         <p:tgtEl>
                                           <p:spTgt spid="107"/>
-                                        </p:tgtEl>
-                                      </p:cBhvr>
-                                    </p:animEffect>
-                                  </p:childTnLst>
-                                </p:cTn>
-                              </p:par>
-                              <p:par>
-                                <p:cTn id="33" presetID="14" presetClass="entr" presetSubtype="10" fill="hold" nodeType="withEffect">
-                                  <p:stCondLst>
-                                    <p:cond delay="0"/>
-                                  </p:stCondLst>
-                                  <p:childTnLst>
-                                    <p:set>
-                                      <p:cBhvr>
-                                        <p:cTn id="34" dur="1" fill="hold">
-                                          <p:stCondLst>
-                                            <p:cond delay="0"/>
-                                          </p:stCondLst>
-                                        </p:cTn>
-                                        <p:tgtEl>
-                                          <p:spTgt spid="30"/>
-                                        </p:tgtEl>
-                                        <p:attrNameLst>
-                                          <p:attrName>style.visibility</p:attrName>
-                                        </p:attrNameLst>
-                                      </p:cBhvr>
-                                      <p:to>
-                                        <p:strVal val="visible"/>
-                                      </p:to>
-                                    </p:set>
-                                    <p:animEffect transition="in" filter="randombar(horizontal)">
-                                      <p:cBhvr>
-                                        <p:cTn id="35" dur="500"/>
-                                        <p:tgtEl>
-                                          <p:spTgt spid="30"/>
                                         </p:tgtEl>
                                       </p:cBhvr>
                                     </p:animEffect>
@@ -25634,7 +25776,7 @@
                                           </p:stCondLst>
                                         </p:cTn>
                                         <p:tgtEl>
-                                          <p:spTgt spid="12"/>
+                                          <p:spTgt spid="30"/>
                                         </p:tgtEl>
                                         <p:attrNameLst>
                                           <p:attrName>style.visibility</p:attrName>
@@ -25648,7 +25790,7 @@
                                       <p:cBhvr>
                                         <p:cTn id="38" dur="500"/>
                                         <p:tgtEl>
-                                          <p:spTgt spid="12"/>
+                                          <p:spTgt spid="30"/>
                                         </p:tgtEl>
                                       </p:cBhvr>
                                     </p:animEffect>
@@ -25669,6 +25811,41 @@
                                           </p:stCondLst>
                                         </p:cTn>
                                         <p:tgtEl>
+                                          <p:spTgt spid="12"/>
+                                        </p:tgtEl>
+                                        <p:attrNameLst>
+                                          <p:attrName>style.visibility</p:attrName>
+                                        </p:attrNameLst>
+                                      </p:cBhvr>
+                                      <p:to>
+                                        <p:strVal val="visible"/>
+                                      </p:to>
+                                    </p:set>
+                                    <p:animEffect transition="in" filter="randombar(horizontal)">
+                                      <p:cBhvr>
+                                        <p:cTn id="41" dur="500"/>
+                                        <p:tgtEl>
+                                          <p:spTgt spid="12"/>
+                                        </p:tgtEl>
+                                      </p:cBhvr>
+                                    </p:animEffect>
+                                  </p:childTnLst>
+                                </p:cTn>
+                              </p:par>
+                              <p:par>
+                                <p:cTn id="42" presetID="14" presetClass="entr" presetSubtype="10" fill="hold" nodeType="withEffect">
+                                  <p:stCondLst>
+                                    <p:cond delay="0"/>
+                                  </p:stCondLst>
+                                  <p:childTnLst>
+                                    <p:set>
+                                      <p:cBhvr>
+                                        <p:cTn id="43" dur="1" fill="hold">
+                                          <p:stCondLst>
+                                            <p:cond delay="0"/>
+                                          </p:stCondLst>
+                                        </p:cTn>
+                                        <p:tgtEl>
                                           <p:spTgt spid="74"/>
                                         </p:tgtEl>
                                         <p:attrNameLst>
@@ -25681,7 +25858,7 @@
                                     </p:set>
                                     <p:animEffect transition="in" filter="randombar(horizontal)">
                                       <p:cBhvr>
-                                        <p:cTn id="41" dur="500"/>
+                                        <p:cTn id="44" dur="500"/>
                                         <p:tgtEl>
                                           <p:spTgt spid="74"/>
                                         </p:tgtEl>
@@ -25697,26 +25874,26 @@
                     </p:cTn>
                   </p:par>
                   <p:par>
-                    <p:cTn id="42" fill="hold">
+                    <p:cTn id="45" fill="hold">
                       <p:stCondLst>
                         <p:cond delay="indefinite"/>
                       </p:stCondLst>
                       <p:childTnLst>
                         <p:par>
-                          <p:cTn id="43" fill="hold">
+                          <p:cTn id="46" fill="hold">
                             <p:stCondLst>
                               <p:cond delay="0"/>
                             </p:stCondLst>
                             <p:childTnLst>
                               <p:par>
-                                <p:cTn id="44" presetID="14" presetClass="exit" presetSubtype="10" fill="hold" grpId="1" nodeType="clickEffect">
+                                <p:cTn id="47" presetID="14" presetClass="exit" presetSubtype="10" fill="hold" grpId="1" nodeType="clickEffect">
                                   <p:stCondLst>
                                     <p:cond delay="0"/>
                                   </p:stCondLst>
                                   <p:childTnLst>
                                     <p:animEffect transition="out" filter="randombar(horizontal)">
                                       <p:cBhvr>
-                                        <p:cTn id="45" dur="500"/>
+                                        <p:cTn id="48" dur="500"/>
                                         <p:tgtEl>
                                           <p:spTgt spid="8"/>
                                         </p:tgtEl>
@@ -25724,13 +25901,48 @@
                                     </p:animEffect>
                                     <p:set>
                                       <p:cBhvr>
-                                        <p:cTn id="46" dur="1" fill="hold">
+                                        <p:cTn id="49" dur="1" fill="hold">
                                           <p:stCondLst>
                                             <p:cond delay="499"/>
                                           </p:stCondLst>
                                         </p:cTn>
                                         <p:tgtEl>
                                           <p:spTgt spid="8"/>
+                                        </p:tgtEl>
+                                        <p:attrNameLst>
+                                          <p:attrName>style.visibility</p:attrName>
+                                        </p:attrNameLst>
+                                      </p:cBhvr>
+                                      <p:to>
+                                        <p:strVal val="hidden"/>
+                                      </p:to>
+                                    </p:set>
+                                  </p:childTnLst>
+                                </p:cTn>
+                              </p:par>
+                              <p:par>
+                                <p:cTn id="50" presetID="14" presetClass="exit" presetSubtype="10" fill="hold" grpId="1" nodeType="withEffect">
+                                  <p:stCondLst>
+                                    <p:cond delay="0"/>
+                                  </p:stCondLst>
+                                  <p:childTnLst>
+                                    <p:animEffect transition="out" filter="randombar(horizontal)">
+                                      <p:cBhvr>
+                                        <p:cTn id="51" dur="500"/>
+                                        <p:tgtEl>
+                                          <p:spTgt spid="9"/>
+                                        </p:tgtEl>
+                                      </p:cBhvr>
+                                    </p:animEffect>
+                                    <p:set>
+                                      <p:cBhvr>
+                                        <p:cTn id="52" dur="1" fill="hold">
+                                          <p:stCondLst>
+                                            <p:cond delay="499"/>
+                                          </p:stCondLst>
+                                        </p:cTn>
+                                        <p:tgtEl>
+                                          <p:spTgt spid="9"/>
                                         </p:tgtEl>
                                         <p:attrNameLst>
                                           <p:attrName>style.visibility</p:attrName>
@@ -25750,26 +25962,26 @@
                     </p:cTn>
                   </p:par>
                   <p:par>
-                    <p:cTn id="47" fill="hold">
+                    <p:cTn id="53" fill="hold">
                       <p:stCondLst>
                         <p:cond delay="indefinite"/>
                       </p:stCondLst>
                       <p:childTnLst>
                         <p:par>
-                          <p:cTn id="48" fill="hold">
+                          <p:cTn id="54" fill="hold">
                             <p:stCondLst>
                               <p:cond delay="0"/>
                             </p:stCondLst>
                             <p:childTnLst>
                               <p:par>
-                                <p:cTn id="49" presetID="14" presetClass="entr" presetSubtype="10" fill="hold" nodeType="clickEffect">
+                                <p:cTn id="55" presetID="14" presetClass="entr" presetSubtype="10" fill="hold" nodeType="clickEffect">
                                   <p:stCondLst>
                                     <p:cond delay="0"/>
                                   </p:stCondLst>
                                   <p:childTnLst>
                                     <p:set>
                                       <p:cBhvr>
-                                        <p:cTn id="50" dur="1" fill="hold">
+                                        <p:cTn id="56" dur="1" fill="hold">
                                           <p:stCondLst>
                                             <p:cond delay="0"/>
                                           </p:stCondLst>
@@ -25787,7 +25999,7 @@
                                     </p:set>
                                     <p:animEffect transition="in" filter="randombar(horizontal)">
                                       <p:cBhvr>
-                                        <p:cTn id="51" dur="500"/>
+                                        <p:cTn id="57" dur="500"/>
                                         <p:tgtEl>
                                           <p:spTgt spid="3"/>
                                         </p:tgtEl>
@@ -25797,14 +26009,14 @@
                                 </p:cTn>
                               </p:par>
                               <p:par>
-                                <p:cTn id="52" presetID="14" presetClass="entr" presetSubtype="10" fill="hold" grpId="0" nodeType="withEffect">
+                                <p:cTn id="58" presetID="14" presetClass="entr" presetSubtype="10" fill="hold" grpId="0" nodeType="withEffect">
                                   <p:stCondLst>
                                     <p:cond delay="0"/>
                                   </p:stCondLst>
                                   <p:childTnLst>
                                     <p:set>
                                       <p:cBhvr>
-                                        <p:cTn id="53" dur="1" fill="hold">
+                                        <p:cTn id="59" dur="1" fill="hold">
                                           <p:stCondLst>
                                             <p:cond delay="0"/>
                                           </p:stCondLst>
@@ -25822,7 +26034,7 @@
                                     </p:set>
                                     <p:animEffect transition="in" filter="randombar(horizontal)">
                                       <p:cBhvr>
-                                        <p:cTn id="54" dur="500"/>
+                                        <p:cTn id="60" dur="500"/>
                                         <p:tgtEl>
                                           <p:spTgt spid="135"/>
                                         </p:tgtEl>
@@ -25832,14 +26044,14 @@
                                 </p:cTn>
                               </p:par>
                               <p:par>
-                                <p:cTn id="55" presetID="14" presetClass="entr" presetSubtype="10" fill="hold" nodeType="withEffect">
+                                <p:cTn id="61" presetID="14" presetClass="entr" presetSubtype="10" fill="hold" nodeType="withEffect">
                                   <p:stCondLst>
                                     <p:cond delay="0"/>
                                   </p:stCondLst>
                                   <p:childTnLst>
                                     <p:set>
                                       <p:cBhvr>
-                                        <p:cTn id="56" dur="1" fill="hold">
+                                        <p:cTn id="62" dur="1" fill="hold">
                                           <p:stCondLst>
                                             <p:cond delay="0"/>
                                           </p:stCondLst>
@@ -25857,7 +26069,7 @@
                                     </p:set>
                                     <p:animEffect transition="in" filter="randombar(horizontal)">
                                       <p:cBhvr>
-                                        <p:cTn id="57" dur="500"/>
+                                        <p:cTn id="63" dur="500"/>
                                         <p:tgtEl>
                                           <p:spTgt spid="53"/>
                                         </p:tgtEl>
@@ -25873,26 +26085,26 @@
                     </p:cTn>
                   </p:par>
                   <p:par>
-                    <p:cTn id="58" fill="hold">
+                    <p:cTn id="64" fill="hold">
                       <p:stCondLst>
                         <p:cond delay="indefinite"/>
                       </p:stCondLst>
                       <p:childTnLst>
                         <p:par>
-                          <p:cTn id="59" fill="hold">
+                          <p:cTn id="65" fill="hold">
                             <p:stCondLst>
                               <p:cond delay="0"/>
                             </p:stCondLst>
                             <p:childTnLst>
                               <p:par>
-                                <p:cTn id="60" presetID="14" presetClass="entr" presetSubtype="10" fill="hold" grpId="0" nodeType="clickEffect">
+                                <p:cTn id="66" presetID="14" presetClass="entr" presetSubtype="10" fill="hold" grpId="0" nodeType="clickEffect">
                                   <p:stCondLst>
                                     <p:cond delay="0"/>
                                   </p:stCondLst>
                                   <p:childTnLst>
                                     <p:set>
                                       <p:cBhvr>
-                                        <p:cTn id="61" dur="1" fill="hold">
+                                        <p:cTn id="67" dur="1" fill="hold">
                                           <p:stCondLst>
                                             <p:cond delay="0"/>
                                           </p:stCondLst>
@@ -25910,7 +26122,7 @@
                                     </p:set>
                                     <p:animEffect transition="in" filter="randombar(horizontal)">
                                       <p:cBhvr>
-                                        <p:cTn id="62" dur="500"/>
+                                        <p:cTn id="68" dur="500"/>
                                         <p:tgtEl>
                                           <p:spTgt spid="95"/>
                                         </p:tgtEl>
@@ -25920,14 +26132,14 @@
                                 </p:cTn>
                               </p:par>
                               <p:par>
-                                <p:cTn id="63" presetID="14" presetClass="entr" presetSubtype="10" fill="hold" nodeType="withEffect">
+                                <p:cTn id="69" presetID="14" presetClass="entr" presetSubtype="10" fill="hold" nodeType="withEffect">
                                   <p:stCondLst>
                                     <p:cond delay="0"/>
                                   </p:stCondLst>
                                   <p:childTnLst>
                                     <p:set>
                                       <p:cBhvr>
-                                        <p:cTn id="64" dur="1" fill="hold">
+                                        <p:cTn id="70" dur="1" fill="hold">
                                           <p:stCondLst>
                                             <p:cond delay="0"/>
                                           </p:stCondLst>
@@ -25945,7 +26157,7 @@
                                     </p:set>
                                     <p:animEffect transition="in" filter="randombar(horizontal)">
                                       <p:cBhvr>
-                                        <p:cTn id="65" dur="500"/>
+                                        <p:cTn id="71" dur="500"/>
                                         <p:tgtEl>
                                           <p:spTgt spid="93"/>
                                         </p:tgtEl>
@@ -25961,26 +26173,26 @@
                     </p:cTn>
                   </p:par>
                   <p:par>
-                    <p:cTn id="66" fill="hold">
+                    <p:cTn id="72" fill="hold">
                       <p:stCondLst>
                         <p:cond delay="indefinite"/>
                       </p:stCondLst>
                       <p:childTnLst>
                         <p:par>
-                          <p:cTn id="67" fill="hold">
+                          <p:cTn id="73" fill="hold">
                             <p:stCondLst>
                               <p:cond delay="0"/>
                             </p:stCondLst>
                             <p:childTnLst>
                               <p:par>
-                                <p:cTn id="68" presetID="14" presetClass="entr" presetSubtype="10" fill="hold" nodeType="clickEffect">
+                                <p:cTn id="74" presetID="14" presetClass="entr" presetSubtype="10" fill="hold" nodeType="clickEffect">
                                   <p:stCondLst>
                                     <p:cond delay="0"/>
                                   </p:stCondLst>
                                   <p:childTnLst>
                                     <p:set>
                                       <p:cBhvr>
-                                        <p:cTn id="69" dur="1" fill="hold">
+                                        <p:cTn id="75" dur="1" fill="hold">
                                           <p:stCondLst>
                                             <p:cond delay="0"/>
                                           </p:stCondLst>
@@ -25998,7 +26210,7 @@
                                     </p:set>
                                     <p:animEffect transition="in" filter="randombar(horizontal)">
                                       <p:cBhvr>
-                                        <p:cTn id="70" dur="500"/>
+                                        <p:cTn id="76" dur="500"/>
                                         <p:tgtEl>
                                           <p:spTgt spid="6"/>
                                         </p:tgtEl>
@@ -26008,14 +26220,14 @@
                                 </p:cTn>
                               </p:par>
                               <p:par>
-                                <p:cTn id="71" presetID="14" presetClass="entr" presetSubtype="10" fill="hold" grpId="0" nodeType="withEffect">
+                                <p:cTn id="77" presetID="14" presetClass="entr" presetSubtype="10" fill="hold" grpId="0" nodeType="withEffect">
                                   <p:stCondLst>
                                     <p:cond delay="0"/>
                                   </p:stCondLst>
                                   <p:childTnLst>
                                     <p:set>
                                       <p:cBhvr>
-                                        <p:cTn id="72" dur="1" fill="hold">
+                                        <p:cTn id="78" dur="1" fill="hold">
                                           <p:stCondLst>
                                             <p:cond delay="0"/>
                                           </p:stCondLst>
@@ -26033,7 +26245,7 @@
                                     </p:set>
                                     <p:animEffect transition="in" filter="randombar(horizontal)">
                                       <p:cBhvr>
-                                        <p:cTn id="73" dur="500"/>
+                                        <p:cTn id="79" dur="500"/>
                                         <p:tgtEl>
                                           <p:spTgt spid="149"/>
                                         </p:tgtEl>
@@ -26043,14 +26255,14 @@
                                 </p:cTn>
                               </p:par>
                               <p:par>
-                                <p:cTn id="74" presetID="14" presetClass="entr" presetSubtype="10" fill="hold" nodeType="withEffect">
+                                <p:cTn id="80" presetID="14" presetClass="entr" presetSubtype="10" fill="hold" nodeType="withEffect">
                                   <p:stCondLst>
                                     <p:cond delay="0"/>
                                   </p:stCondLst>
                                   <p:childTnLst>
                                     <p:set>
                                       <p:cBhvr>
-                                        <p:cTn id="75" dur="1" fill="hold">
+                                        <p:cTn id="81" dur="1" fill="hold">
                                           <p:stCondLst>
                                             <p:cond delay="0"/>
                                           </p:stCondLst>
@@ -26068,7 +26280,7 @@
                                     </p:set>
                                     <p:animEffect transition="in" filter="randombar(horizontal)">
                                       <p:cBhvr>
-                                        <p:cTn id="76" dur="500"/>
+                                        <p:cTn id="82" dur="500"/>
                                         <p:tgtEl>
                                           <p:spTgt spid="147"/>
                                         </p:tgtEl>
@@ -26084,26 +26296,26 @@
                     </p:cTn>
                   </p:par>
                   <p:par>
-                    <p:cTn id="77" fill="hold">
+                    <p:cTn id="83" fill="hold">
                       <p:stCondLst>
                         <p:cond delay="indefinite"/>
                       </p:stCondLst>
                       <p:childTnLst>
                         <p:par>
-                          <p:cTn id="78" fill="hold">
+                          <p:cTn id="84" fill="hold">
                             <p:stCondLst>
                               <p:cond delay="0"/>
                             </p:stCondLst>
                             <p:childTnLst>
                               <p:par>
-                                <p:cTn id="79" presetID="14" presetClass="entr" presetSubtype="10" fill="hold" grpId="0" nodeType="clickEffect">
+                                <p:cTn id="85" presetID="14" presetClass="entr" presetSubtype="10" fill="hold" grpId="0" nodeType="clickEffect">
                                   <p:stCondLst>
                                     <p:cond delay="0"/>
                                   </p:stCondLst>
                                   <p:childTnLst>
                                     <p:set>
                                       <p:cBhvr>
-                                        <p:cTn id="80" dur="1" fill="hold">
+                                        <p:cTn id="86" dur="1" fill="hold">
                                           <p:stCondLst>
                                             <p:cond delay="0"/>
                                           </p:stCondLst>
@@ -26121,7 +26333,7 @@
                                     </p:set>
                                     <p:animEffect transition="in" filter="randombar(horizontal)">
                                       <p:cBhvr>
-                                        <p:cTn id="81" dur="500"/>
+                                        <p:cTn id="87" dur="500"/>
                                         <p:tgtEl>
                                           <p:spTgt spid="108"/>
                                         </p:tgtEl>
@@ -26131,14 +26343,14 @@
                                 </p:cTn>
                               </p:par>
                               <p:par>
-                                <p:cTn id="82" presetID="14" presetClass="entr" presetSubtype="10" fill="hold" nodeType="withEffect">
+                                <p:cTn id="88" presetID="14" presetClass="entr" presetSubtype="10" fill="hold" nodeType="withEffect">
                                   <p:stCondLst>
                                     <p:cond delay="0"/>
                                   </p:stCondLst>
                                   <p:childTnLst>
                                     <p:set>
                                       <p:cBhvr>
-                                        <p:cTn id="83" dur="1" fill="hold">
+                                        <p:cTn id="89" dur="1" fill="hold">
                                           <p:stCondLst>
                                             <p:cond delay="0"/>
                                           </p:stCondLst>
@@ -26156,79 +26368,9 @@
                                     </p:set>
                                     <p:animEffect transition="in" filter="randombar(horizontal)">
                                       <p:cBhvr>
-                                        <p:cTn id="84" dur="500"/>
+                                        <p:cTn id="90" dur="500"/>
                                         <p:tgtEl>
                                           <p:spTgt spid="96"/>
-                                        </p:tgtEl>
-                                      </p:cBhvr>
-                                    </p:animEffect>
-                                  </p:childTnLst>
-                                </p:cTn>
-                              </p:par>
-                              <p:par>
-                                <p:cTn id="85" presetID="14" presetClass="entr" presetSubtype="10" fill="hold" nodeType="withEffect">
-                                  <p:stCondLst>
-                                    <p:cond delay="0"/>
-                                  </p:stCondLst>
-                                  <p:childTnLst>
-                                    <p:set>
-                                      <p:cBhvr>
-                                        <p:cTn id="86" dur="1" fill="hold">
-                                          <p:stCondLst>
-                                            <p:cond delay="0"/>
-                                          </p:stCondLst>
-                                        </p:cTn>
-                                        <p:tgtEl>
-                                          <p:spTgt spid="42"/>
-                                        </p:tgtEl>
-                                        <p:attrNameLst>
-                                          <p:attrName>style.visibility</p:attrName>
-                                        </p:attrNameLst>
-                                      </p:cBhvr>
-                                      <p:to>
-                                        <p:strVal val="visible"/>
-                                      </p:to>
-                                    </p:set>
-                                    <p:animEffect transition="in" filter="randombar(horizontal)">
-                                      <p:cBhvr>
-                                        <p:cTn id="87" dur="500"/>
-                                        <p:tgtEl>
-                                          <p:spTgt spid="42"/>
-                                        </p:tgtEl>
-                                      </p:cBhvr>
-                                    </p:animEffect>
-                                  </p:childTnLst>
-                                </p:cTn>
-                              </p:par>
-                              <p:par>
-                                <p:cTn id="88" presetID="14" presetClass="entr" presetSubtype="10" fill="hold" grpId="0" nodeType="withEffect">
-                                  <p:stCondLst>
-                                    <p:cond delay="0"/>
-                                  </p:stCondLst>
-                                  <p:childTnLst>
-                                    <p:set>
-                                      <p:cBhvr>
-                                        <p:cTn id="89" dur="1" fill="hold">
-                                          <p:stCondLst>
-                                            <p:cond delay="0"/>
-                                          </p:stCondLst>
-                                        </p:cTn>
-                                        <p:tgtEl>
-                                          <p:spTgt spid="138"/>
-                                        </p:tgtEl>
-                                        <p:attrNameLst>
-                                          <p:attrName>style.visibility</p:attrName>
-                                        </p:attrNameLst>
-                                      </p:cBhvr>
-                                      <p:to>
-                                        <p:strVal val="visible"/>
-                                      </p:to>
-                                    </p:set>
-                                    <p:animEffect transition="in" filter="randombar(horizontal)">
-                                      <p:cBhvr>
-                                        <p:cTn id="90" dur="500"/>
-                                        <p:tgtEl>
-                                          <p:spTgt spid="138"/>
                                         </p:tgtEl>
                                       </p:cBhvr>
                                     </p:animEffect>
@@ -26249,6 +26391,76 @@
                                           </p:stCondLst>
                                         </p:cTn>
                                         <p:tgtEl>
+                                          <p:spTgt spid="42"/>
+                                        </p:tgtEl>
+                                        <p:attrNameLst>
+                                          <p:attrName>style.visibility</p:attrName>
+                                        </p:attrNameLst>
+                                      </p:cBhvr>
+                                      <p:to>
+                                        <p:strVal val="visible"/>
+                                      </p:to>
+                                    </p:set>
+                                    <p:animEffect transition="in" filter="randombar(horizontal)">
+                                      <p:cBhvr>
+                                        <p:cTn id="93" dur="500"/>
+                                        <p:tgtEl>
+                                          <p:spTgt spid="42"/>
+                                        </p:tgtEl>
+                                      </p:cBhvr>
+                                    </p:animEffect>
+                                  </p:childTnLst>
+                                </p:cTn>
+                              </p:par>
+                              <p:par>
+                                <p:cTn id="94" presetID="14" presetClass="entr" presetSubtype="10" fill="hold" grpId="0" nodeType="withEffect">
+                                  <p:stCondLst>
+                                    <p:cond delay="0"/>
+                                  </p:stCondLst>
+                                  <p:childTnLst>
+                                    <p:set>
+                                      <p:cBhvr>
+                                        <p:cTn id="95" dur="1" fill="hold">
+                                          <p:stCondLst>
+                                            <p:cond delay="0"/>
+                                          </p:stCondLst>
+                                        </p:cTn>
+                                        <p:tgtEl>
+                                          <p:spTgt spid="138"/>
+                                        </p:tgtEl>
+                                        <p:attrNameLst>
+                                          <p:attrName>style.visibility</p:attrName>
+                                        </p:attrNameLst>
+                                      </p:cBhvr>
+                                      <p:to>
+                                        <p:strVal val="visible"/>
+                                      </p:to>
+                                    </p:set>
+                                    <p:animEffect transition="in" filter="randombar(horizontal)">
+                                      <p:cBhvr>
+                                        <p:cTn id="96" dur="500"/>
+                                        <p:tgtEl>
+                                          <p:spTgt spid="138"/>
+                                        </p:tgtEl>
+                                      </p:cBhvr>
+                                    </p:animEffect>
+                                  </p:childTnLst>
+                                </p:cTn>
+                              </p:par>
+                              <p:par>
+                                <p:cTn id="97" presetID="14" presetClass="entr" presetSubtype="10" fill="hold" nodeType="withEffect">
+                                  <p:stCondLst>
+                                    <p:cond delay="0"/>
+                                  </p:stCondLst>
+                                  <p:childTnLst>
+                                    <p:set>
+                                      <p:cBhvr>
+                                        <p:cTn id="98" dur="1" fill="hold">
+                                          <p:stCondLst>
+                                            <p:cond delay="0"/>
+                                          </p:stCondLst>
+                                        </p:cTn>
+                                        <p:tgtEl>
                                           <p:spTgt spid="136"/>
                                         </p:tgtEl>
                                         <p:attrNameLst>
@@ -26261,7 +26473,7 @@
                                     </p:set>
                                     <p:animEffect transition="in" filter="randombar(horizontal)">
                                       <p:cBhvr>
-                                        <p:cTn id="93" dur="500"/>
+                                        <p:cTn id="99" dur="500"/>
                                         <p:tgtEl>
                                           <p:spTgt spid="136"/>
                                         </p:tgtEl>
@@ -26277,26 +26489,26 @@
                     </p:cTn>
                   </p:par>
                   <p:par>
-                    <p:cTn id="94" fill="hold">
+                    <p:cTn id="100" fill="hold">
                       <p:stCondLst>
                         <p:cond delay="indefinite"/>
                       </p:stCondLst>
                       <p:childTnLst>
                         <p:par>
-                          <p:cTn id="95" fill="hold">
+                          <p:cTn id="101" fill="hold">
                             <p:stCondLst>
                               <p:cond delay="0"/>
                             </p:stCondLst>
                             <p:childTnLst>
                               <p:par>
-                                <p:cTn id="96" presetID="14" presetClass="entr" presetSubtype="10" fill="hold" nodeType="clickEffect">
+                                <p:cTn id="102" presetID="14" presetClass="entr" presetSubtype="10" fill="hold" nodeType="clickEffect">
                                   <p:stCondLst>
                                     <p:cond delay="0"/>
                                   </p:stCondLst>
                                   <p:childTnLst>
                                     <p:set>
                                       <p:cBhvr>
-                                        <p:cTn id="97" dur="1" fill="hold">
+                                        <p:cTn id="103" dur="1" fill="hold">
                                           <p:stCondLst>
                                             <p:cond delay="0"/>
                                           </p:stCondLst>
@@ -26314,7 +26526,7 @@
                                     </p:set>
                                     <p:animEffect transition="in" filter="randombar(horizontal)">
                                       <p:cBhvr>
-                                        <p:cTn id="98" dur="500"/>
+                                        <p:cTn id="104" dur="500"/>
                                         <p:tgtEl>
                                           <p:spTgt spid="99"/>
                                         </p:tgtEl>
@@ -26324,14 +26536,14 @@
                                 </p:cTn>
                               </p:par>
                               <p:par>
-                                <p:cTn id="99" presetID="14" presetClass="entr" presetSubtype="10" fill="hold" nodeType="withEffect">
+                                <p:cTn id="105" presetID="14" presetClass="entr" presetSubtype="10" fill="hold" nodeType="withEffect">
                                   <p:stCondLst>
                                     <p:cond delay="0"/>
                                   </p:stCondLst>
                                   <p:childTnLst>
                                     <p:set>
                                       <p:cBhvr>
-                                        <p:cTn id="100" dur="1" fill="hold">
+                                        <p:cTn id="106" dur="1" fill="hold">
                                           <p:stCondLst>
                                             <p:cond delay="0"/>
                                           </p:stCondLst>
@@ -26349,7 +26561,7 @@
                                     </p:set>
                                     <p:animEffect transition="in" filter="randombar(horizontal)">
                                       <p:cBhvr>
-                                        <p:cTn id="101" dur="500"/>
+                                        <p:cTn id="107" dur="500"/>
                                         <p:tgtEl>
                                           <p:spTgt spid="137"/>
                                         </p:tgtEl>
@@ -26359,14 +26571,14 @@
                                 </p:cTn>
                               </p:par>
                               <p:par>
-                                <p:cTn id="102" presetID="14" presetClass="entr" presetSubtype="10" fill="hold" nodeType="withEffect">
+                                <p:cTn id="108" presetID="14" presetClass="entr" presetSubtype="10" fill="hold" nodeType="withEffect">
                                   <p:stCondLst>
                                     <p:cond delay="0"/>
                                   </p:stCondLst>
                                   <p:childTnLst>
                                     <p:set>
                                       <p:cBhvr>
-                                        <p:cTn id="103" dur="1" fill="hold">
+                                        <p:cTn id="109" dur="1" fill="hold">
                                           <p:stCondLst>
                                             <p:cond delay="0"/>
                                           </p:stCondLst>
@@ -26384,7 +26596,7 @@
                                     </p:set>
                                     <p:animEffect transition="in" filter="randombar(horizontal)">
                                       <p:cBhvr>
-                                        <p:cTn id="104" dur="500"/>
+                                        <p:cTn id="110" dur="500"/>
                                         <p:tgtEl>
                                           <p:spTgt spid="144"/>
                                         </p:tgtEl>
@@ -26394,14 +26606,14 @@
                                 </p:cTn>
                               </p:par>
                               <p:par>
-                                <p:cTn id="105" presetID="14" presetClass="entr" presetSubtype="10" fill="hold" grpId="0" nodeType="withEffect">
+                                <p:cTn id="111" presetID="14" presetClass="entr" presetSubtype="10" fill="hold" grpId="0" nodeType="withEffect">
                                   <p:stCondLst>
                                     <p:cond delay="0"/>
                                   </p:stCondLst>
                                   <p:childTnLst>
                                     <p:set>
                                       <p:cBhvr>
-                                        <p:cTn id="106" dur="1" fill="hold">
+                                        <p:cTn id="112" dur="1" fill="hold">
                                           <p:stCondLst>
                                             <p:cond delay="0"/>
                                           </p:stCondLst>
@@ -26419,7 +26631,7 @@
                                     </p:set>
                                     <p:animEffect transition="in" filter="randombar(horizontal)">
                                       <p:cBhvr>
-                                        <p:cTn id="107" dur="500"/>
+                                        <p:cTn id="113" dur="500"/>
                                         <p:tgtEl>
                                           <p:spTgt spid="15"/>
                                         </p:tgtEl>
@@ -26429,14 +26641,14 @@
                                 </p:cTn>
                               </p:par>
                               <p:par>
-                                <p:cTn id="108" presetID="14" presetClass="entr" presetSubtype="10" fill="hold" grpId="0" nodeType="withEffect">
+                                <p:cTn id="114" presetID="14" presetClass="entr" presetSubtype="10" fill="hold" grpId="0" nodeType="withEffect">
                                   <p:stCondLst>
                                     <p:cond delay="0"/>
                                   </p:stCondLst>
                                   <p:childTnLst>
                                     <p:set>
                                       <p:cBhvr>
-                                        <p:cTn id="109" dur="1" fill="hold">
+                                        <p:cTn id="115" dur="1" fill="hold">
                                           <p:stCondLst>
                                             <p:cond delay="0"/>
                                           </p:stCondLst>
@@ -26454,7 +26666,7 @@
                                     </p:set>
                                     <p:animEffect transition="in" filter="randombar(horizontal)">
                                       <p:cBhvr>
-                                        <p:cTn id="110" dur="500"/>
+                                        <p:cTn id="116" dur="500"/>
                                         <p:tgtEl>
                                           <p:spTgt spid="81"/>
                                         </p:tgtEl>
@@ -26464,14 +26676,14 @@
                                 </p:cTn>
                               </p:par>
                               <p:par>
-                                <p:cTn id="111" presetID="14" presetClass="entr" presetSubtype="10" fill="hold" nodeType="withEffect">
+                                <p:cTn id="117" presetID="14" presetClass="entr" presetSubtype="10" fill="hold" nodeType="withEffect">
                                   <p:stCondLst>
                                     <p:cond delay="0"/>
                                   </p:stCondLst>
                                   <p:childTnLst>
                                     <p:set>
                                       <p:cBhvr>
-                                        <p:cTn id="112" dur="1" fill="hold">
+                                        <p:cTn id="118" dur="1" fill="hold">
                                           <p:stCondLst>
                                             <p:cond delay="0"/>
                                           </p:stCondLst>
@@ -26489,9 +26701,44 @@
                                     </p:set>
                                     <p:animEffect transition="in" filter="randombar(horizontal)">
                                       <p:cBhvr>
-                                        <p:cTn id="113" dur="500"/>
+                                        <p:cTn id="119" dur="500"/>
                                         <p:tgtEl>
                                           <p:spTgt spid="84"/>
+                                        </p:tgtEl>
+                                      </p:cBhvr>
+                                    </p:animEffect>
+                                  </p:childTnLst>
+                                </p:cTn>
+                              </p:par>
+                              <p:par>
+                                <p:cTn id="120" presetID="14" presetClass="entr" presetSubtype="10" fill="hold" grpId="0" nodeType="withEffect">
+                                  <p:stCondLst>
+                                    <p:cond delay="0"/>
+                                  </p:stCondLst>
+                                  <p:childTnLst>
+                                    <p:set>
+                                      <p:cBhvr>
+                                        <p:cTn id="121" dur="1" fill="hold">
+                                          <p:stCondLst>
+                                            <p:cond delay="0"/>
+                                          </p:stCondLst>
+                                        </p:cTn>
+                                        <p:tgtEl>
+                                          <p:spTgt spid="11"/>
+                                        </p:tgtEl>
+                                        <p:attrNameLst>
+                                          <p:attrName>style.visibility</p:attrName>
+                                        </p:attrNameLst>
+                                      </p:cBhvr>
+                                      <p:to>
+                                        <p:strVal val="visible"/>
+                                      </p:to>
+                                    </p:set>
+                                    <p:animEffect transition="in" filter="randombar(horizontal)">
+                                      <p:cBhvr>
+                                        <p:cTn id="122" dur="500"/>
+                                        <p:tgtEl>
+                                          <p:spTgt spid="11"/>
                                         </p:tgtEl>
                                       </p:cBhvr>
                                     </p:animEffect>
@@ -26505,26 +26752,26 @@
                     </p:cTn>
                   </p:par>
                   <p:par>
-                    <p:cTn id="114" fill="hold">
+                    <p:cTn id="123" fill="hold">
                       <p:stCondLst>
                         <p:cond delay="indefinite"/>
                       </p:stCondLst>
                       <p:childTnLst>
                         <p:par>
-                          <p:cTn id="115" fill="hold">
+                          <p:cTn id="124" fill="hold">
                             <p:stCondLst>
                               <p:cond delay="0"/>
                             </p:stCondLst>
                             <p:childTnLst>
                               <p:par>
-                                <p:cTn id="116" presetID="14" presetClass="exit" presetSubtype="10" fill="hold" nodeType="clickEffect">
+                                <p:cTn id="125" presetID="14" presetClass="exit" presetSubtype="10" fill="hold" nodeType="clickEffect">
                                   <p:stCondLst>
                                     <p:cond delay="0"/>
                                   </p:stCondLst>
                                   <p:childTnLst>
                                     <p:animEffect transition="out" filter="randombar(horizontal)">
                                       <p:cBhvr>
-                                        <p:cTn id="117" dur="500"/>
+                                        <p:cTn id="126" dur="500"/>
                                         <p:tgtEl>
                                           <p:spTgt spid="84"/>
                                         </p:tgtEl>
@@ -26532,13 +26779,48 @@
                                     </p:animEffect>
                                     <p:set>
                                       <p:cBhvr>
-                                        <p:cTn id="118" dur="1" fill="hold">
+                                        <p:cTn id="127" dur="1" fill="hold">
                                           <p:stCondLst>
                                             <p:cond delay="499"/>
                                           </p:stCondLst>
                                         </p:cTn>
                                         <p:tgtEl>
                                           <p:spTgt spid="84"/>
+                                        </p:tgtEl>
+                                        <p:attrNameLst>
+                                          <p:attrName>style.visibility</p:attrName>
+                                        </p:attrNameLst>
+                                      </p:cBhvr>
+                                      <p:to>
+                                        <p:strVal val="hidden"/>
+                                      </p:to>
+                                    </p:set>
+                                  </p:childTnLst>
+                                </p:cTn>
+                              </p:par>
+                              <p:par>
+                                <p:cTn id="128" presetID="14" presetClass="exit" presetSubtype="10" fill="hold" grpId="1" nodeType="withEffect">
+                                  <p:stCondLst>
+                                    <p:cond delay="0"/>
+                                  </p:stCondLst>
+                                  <p:childTnLst>
+                                    <p:animEffect transition="out" filter="randombar(horizontal)">
+                                      <p:cBhvr>
+                                        <p:cTn id="129" dur="500"/>
+                                        <p:tgtEl>
+                                          <p:spTgt spid="11"/>
+                                        </p:tgtEl>
+                                      </p:cBhvr>
+                                    </p:animEffect>
+                                    <p:set>
+                                      <p:cBhvr>
+                                        <p:cTn id="130" dur="1" fill="hold">
+                                          <p:stCondLst>
+                                            <p:cond delay="499"/>
+                                          </p:stCondLst>
+                                        </p:cTn>
+                                        <p:tgtEl>
+                                          <p:spTgt spid="11"/>
                                         </p:tgtEl>
                                         <p:attrNameLst>
                                           <p:attrName>style.visibility</p:attrName>
@@ -26558,26 +26840,26 @@
                     </p:cTn>
                   </p:par>
                   <p:par>
-                    <p:cTn id="119" fill="hold">
+                    <p:cTn id="131" fill="hold">
                       <p:stCondLst>
                         <p:cond delay="indefinite"/>
                       </p:stCondLst>
                       <p:childTnLst>
                         <p:par>
-                          <p:cTn id="120" fill="hold">
+                          <p:cTn id="132" fill="hold">
                             <p:stCondLst>
                               <p:cond delay="0"/>
                             </p:stCondLst>
                             <p:childTnLst>
                               <p:par>
-                                <p:cTn id="121" presetID="14" presetClass="entr" presetSubtype="10" fill="hold" grpId="0" nodeType="clickEffect">
+                                <p:cTn id="133" presetID="14" presetClass="entr" presetSubtype="10" fill="hold" grpId="0" nodeType="clickEffect">
                                   <p:stCondLst>
                                     <p:cond delay="0"/>
                                   </p:stCondLst>
                                   <p:childTnLst>
                                     <p:set>
                                       <p:cBhvr>
-                                        <p:cTn id="122" dur="1" fill="hold">
+                                        <p:cTn id="134" dur="1" fill="hold">
                                           <p:stCondLst>
                                             <p:cond delay="0"/>
                                           </p:stCondLst>
@@ -26595,149 +26877,9 @@
                                     </p:set>
                                     <p:animEffect transition="in" filter="randombar(horizontal)">
                                       <p:cBhvr>
-                                        <p:cTn id="123" dur="500"/>
+                                        <p:cTn id="135" dur="500"/>
                                         <p:tgtEl>
                                           <p:spTgt spid="60"/>
-                                        </p:tgtEl>
-                                      </p:cBhvr>
-                                    </p:animEffect>
-                                  </p:childTnLst>
-                                </p:cTn>
-                              </p:par>
-                              <p:par>
-                                <p:cTn id="124" presetID="14" presetClass="entr" presetSubtype="10" fill="hold" nodeType="withEffect">
-                                  <p:stCondLst>
-                                    <p:cond delay="0"/>
-                                  </p:stCondLst>
-                                  <p:childTnLst>
-                                    <p:set>
-                                      <p:cBhvr>
-                                        <p:cTn id="125" dur="1" fill="hold">
-                                          <p:stCondLst>
-                                            <p:cond delay="0"/>
-                                          </p:stCondLst>
-                                        </p:cTn>
-                                        <p:tgtEl>
-                                          <p:spTgt spid="71"/>
-                                        </p:tgtEl>
-                                        <p:attrNameLst>
-                                          <p:attrName>style.visibility</p:attrName>
-                                        </p:attrNameLst>
-                                      </p:cBhvr>
-                                      <p:to>
-                                        <p:strVal val="visible"/>
-                                      </p:to>
-                                    </p:set>
-                                    <p:animEffect transition="in" filter="randombar(horizontal)">
-                                      <p:cBhvr>
-                                        <p:cTn id="126" dur="500"/>
-                                        <p:tgtEl>
-                                          <p:spTgt spid="71"/>
-                                        </p:tgtEl>
-                                      </p:cBhvr>
-                                    </p:animEffect>
-                                  </p:childTnLst>
-                                </p:cTn>
-                              </p:par>
-                              <p:par>
-                                <p:cTn id="127" presetID="14" presetClass="entr" presetSubtype="10" fill="hold" nodeType="withEffect">
-                                  <p:stCondLst>
-                                    <p:cond delay="0"/>
-                                  </p:stCondLst>
-                                  <p:childTnLst>
-                                    <p:set>
-                                      <p:cBhvr>
-                                        <p:cTn id="128" dur="1" fill="hold">
-                                          <p:stCondLst>
-                                            <p:cond delay="0"/>
-                                          </p:stCondLst>
-                                        </p:cTn>
-                                        <p:tgtEl>
-                                          <p:spTgt spid="67"/>
-                                        </p:tgtEl>
-                                        <p:attrNameLst>
-                                          <p:attrName>style.visibility</p:attrName>
-                                        </p:attrNameLst>
-                                      </p:cBhvr>
-                                      <p:to>
-                                        <p:strVal val="visible"/>
-                                      </p:to>
-                                    </p:set>
-                                    <p:animEffect transition="in" filter="randombar(horizontal)">
-                                      <p:cBhvr>
-                                        <p:cTn id="129" dur="500"/>
-                                        <p:tgtEl>
-                                          <p:spTgt spid="67"/>
-                                        </p:tgtEl>
-                                      </p:cBhvr>
-                                    </p:animEffect>
-                                  </p:childTnLst>
-                                </p:cTn>
-                              </p:par>
-                              <p:par>
-                                <p:cTn id="130" presetID="14" presetClass="entr" presetSubtype="10" fill="hold" nodeType="withEffect">
-                                  <p:stCondLst>
-                                    <p:cond delay="0"/>
-                                  </p:stCondLst>
-                                  <p:childTnLst>
-                                    <p:set>
-                                      <p:cBhvr>
-                                        <p:cTn id="131" dur="1" fill="hold">
-                                          <p:stCondLst>
-                                            <p:cond delay="0"/>
-                                          </p:stCondLst>
-                                        </p:cTn>
-                                        <p:tgtEl>
-                                          <p:spTgt spid="21"/>
-                                        </p:tgtEl>
-                                        <p:attrNameLst>
-                                          <p:attrName>style.visibility</p:attrName>
-                                        </p:attrNameLst>
-                                      </p:cBhvr>
-                                      <p:to>
-                                        <p:strVal val="visible"/>
-                                      </p:to>
-                                    </p:set>
-                                    <p:animEffect transition="in" filter="randombar(horizontal)">
-                                      <p:cBhvr>
-                                        <p:cTn id="132" dur="500"/>
-                                        <p:tgtEl>
-                                          <p:spTgt spid="21"/>
-                                        </p:tgtEl>
-                                      </p:cBhvr>
-                                    </p:animEffect>
-                                  </p:childTnLst>
-                                </p:cTn>
-                              </p:par>
-                              <p:par>
-                                <p:cTn id="133" presetID="14" presetClass="entr" presetSubtype="10" fill="hold" grpId="0" nodeType="withEffect">
-                                  <p:stCondLst>
-                                    <p:cond delay="0"/>
-                                  </p:stCondLst>
-                                  <p:childTnLst>
-                                    <p:set>
-                                      <p:cBhvr>
-                                        <p:cTn id="134" dur="1" fill="hold">
-                                          <p:stCondLst>
-                                            <p:cond delay="0"/>
-                                          </p:stCondLst>
-                                        </p:cTn>
-                                        <p:tgtEl>
-                                          <p:spTgt spid="64"/>
-                                        </p:tgtEl>
-                                        <p:attrNameLst>
-                                          <p:attrName>style.visibility</p:attrName>
-                                        </p:attrNameLst>
-                                      </p:cBhvr>
-                                      <p:to>
-                                        <p:strVal val="visible"/>
-                                      </p:to>
-                                    </p:set>
-                                    <p:animEffect transition="in" filter="randombar(horizontal)">
-                                      <p:cBhvr>
-                                        <p:cTn id="135" dur="500"/>
-                                        <p:tgtEl>
-                                          <p:spTgt spid="64"/>
                                         </p:tgtEl>
                                       </p:cBhvr>
                                     </p:animEffect>
@@ -26758,7 +26900,7 @@
                                           </p:stCondLst>
                                         </p:cTn>
                                         <p:tgtEl>
-                                          <p:spTgt spid="62"/>
+                                          <p:spTgt spid="71"/>
                                         </p:tgtEl>
                                         <p:attrNameLst>
                                           <p:attrName>style.visibility</p:attrName>
@@ -26772,7 +26914,7 @@
                                       <p:cBhvr>
                                         <p:cTn id="138" dur="500"/>
                                         <p:tgtEl>
-                                          <p:spTgt spid="62"/>
+                                          <p:spTgt spid="71"/>
                                         </p:tgtEl>
                                       </p:cBhvr>
                                     </p:animEffect>
@@ -26793,7 +26935,7 @@
                                           </p:stCondLst>
                                         </p:cTn>
                                         <p:tgtEl>
-                                          <p:spTgt spid="57"/>
+                                          <p:spTgt spid="67"/>
                                         </p:tgtEl>
                                         <p:attrNameLst>
                                           <p:attrName>style.visibility</p:attrName>
@@ -26807,7 +26949,7 @@
                                       <p:cBhvr>
                                         <p:cTn id="141" dur="500"/>
                                         <p:tgtEl>
-                                          <p:spTgt spid="57"/>
+                                          <p:spTgt spid="67"/>
                                         </p:tgtEl>
                                       </p:cBhvr>
                                     </p:animEffect>
@@ -26828,7 +26970,7 @@
                                           </p:stCondLst>
                                         </p:cTn>
                                         <p:tgtEl>
-                                          <p:spTgt spid="86"/>
+                                          <p:spTgt spid="21"/>
                                         </p:tgtEl>
                                         <p:attrNameLst>
                                           <p:attrName>style.visibility</p:attrName>
@@ -26842,7 +26984,182 @@
                                       <p:cBhvr>
                                         <p:cTn id="144" dur="500"/>
                                         <p:tgtEl>
+                                          <p:spTgt spid="21"/>
+                                        </p:tgtEl>
+                                      </p:cBhvr>
+                                    </p:animEffect>
+                                  </p:childTnLst>
+                                </p:cTn>
+                              </p:par>
+                              <p:par>
+                                <p:cTn id="145" presetID="14" presetClass="entr" presetSubtype="10" fill="hold" grpId="0" nodeType="withEffect">
+                                  <p:stCondLst>
+                                    <p:cond delay="0"/>
+                                  </p:stCondLst>
+                                  <p:childTnLst>
+                                    <p:set>
+                                      <p:cBhvr>
+                                        <p:cTn id="146" dur="1" fill="hold">
+                                          <p:stCondLst>
+                                            <p:cond delay="0"/>
+                                          </p:stCondLst>
+                                        </p:cTn>
+                                        <p:tgtEl>
+                                          <p:spTgt spid="64"/>
+                                        </p:tgtEl>
+                                        <p:attrNameLst>
+                                          <p:attrName>style.visibility</p:attrName>
+                                        </p:attrNameLst>
+                                      </p:cBhvr>
+                                      <p:to>
+                                        <p:strVal val="visible"/>
+                                      </p:to>
+                                    </p:set>
+                                    <p:animEffect transition="in" filter="randombar(horizontal)">
+                                      <p:cBhvr>
+                                        <p:cTn id="147" dur="500"/>
+                                        <p:tgtEl>
+                                          <p:spTgt spid="64"/>
+                                        </p:tgtEl>
+                                      </p:cBhvr>
+                                    </p:animEffect>
+                                  </p:childTnLst>
+                                </p:cTn>
+                              </p:par>
+                              <p:par>
+                                <p:cTn id="148" presetID="14" presetClass="entr" presetSubtype="10" fill="hold" nodeType="withEffect">
+                                  <p:stCondLst>
+                                    <p:cond delay="0"/>
+                                  </p:stCondLst>
+                                  <p:childTnLst>
+                                    <p:set>
+                                      <p:cBhvr>
+                                        <p:cTn id="149" dur="1" fill="hold">
+                                          <p:stCondLst>
+                                            <p:cond delay="0"/>
+                                          </p:stCondLst>
+                                        </p:cTn>
+                                        <p:tgtEl>
+                                          <p:spTgt spid="62"/>
+                                        </p:tgtEl>
+                                        <p:attrNameLst>
+                                          <p:attrName>style.visibility</p:attrName>
+                                        </p:attrNameLst>
+                                      </p:cBhvr>
+                                      <p:to>
+                                        <p:strVal val="visible"/>
+                                      </p:to>
+                                    </p:set>
+                                    <p:animEffect transition="in" filter="randombar(horizontal)">
+                                      <p:cBhvr>
+                                        <p:cTn id="150" dur="500"/>
+                                        <p:tgtEl>
+                                          <p:spTgt spid="62"/>
+                                        </p:tgtEl>
+                                      </p:cBhvr>
+                                    </p:animEffect>
+                                  </p:childTnLst>
+                                </p:cTn>
+                              </p:par>
+                              <p:par>
+                                <p:cTn id="151" presetID="14" presetClass="entr" presetSubtype="10" fill="hold" nodeType="withEffect">
+                                  <p:stCondLst>
+                                    <p:cond delay="0"/>
+                                  </p:stCondLst>
+                                  <p:childTnLst>
+                                    <p:set>
+                                      <p:cBhvr>
+                                        <p:cTn id="152" dur="1" fill="hold">
+                                          <p:stCondLst>
+                                            <p:cond delay="0"/>
+                                          </p:stCondLst>
+                                        </p:cTn>
+                                        <p:tgtEl>
+                                          <p:spTgt spid="57"/>
+                                        </p:tgtEl>
+                                        <p:attrNameLst>
+                                          <p:attrName>style.visibility</p:attrName>
+                                        </p:attrNameLst>
+                                      </p:cBhvr>
+                                      <p:to>
+                                        <p:strVal val="visible"/>
+                                      </p:to>
+                                    </p:set>
+                                    <p:animEffect transition="in" filter="randombar(horizontal)">
+                                      <p:cBhvr>
+                                        <p:cTn id="153" dur="500"/>
+                                        <p:tgtEl>
+                                          <p:spTgt spid="57"/>
+                                        </p:tgtEl>
+                                      </p:cBhvr>
+                                    </p:animEffect>
+                                  </p:childTnLst>
+                                </p:cTn>
+                              </p:par>
+                              <p:par>
+                                <p:cTn id="154" presetID="14" presetClass="entr" presetSubtype="10" fill="hold" nodeType="withEffect">
+                                  <p:stCondLst>
+                                    <p:cond delay="0"/>
+                                  </p:stCondLst>
+                                  <p:childTnLst>
+                                    <p:set>
+                                      <p:cBhvr>
+                                        <p:cTn id="155" dur="1" fill="hold">
+                                          <p:stCondLst>
+                                            <p:cond delay="0"/>
+                                          </p:stCondLst>
+                                        </p:cTn>
+                                        <p:tgtEl>
                                           <p:spTgt spid="86"/>
+                                        </p:tgtEl>
+                                        <p:attrNameLst>
+                                          <p:attrName>style.visibility</p:attrName>
+                                        </p:attrNameLst>
+                                      </p:cBhvr>
+                                      <p:to>
+                                        <p:strVal val="visible"/>
+                                      </p:to>
+                                    </p:set>
+                                    <p:animEffect transition="in" filter="randombar(horizontal)">
+                                      <p:cBhvr>
+                                        <p:cTn id="156" dur="500"/>
+                                        <p:tgtEl>
+                                          <p:spTgt spid="86"/>
+                                        </p:tgtEl>
+                                      </p:cBhvr>
+                                    </p:animEffect>
+                                  </p:childTnLst>
+                                </p:cTn>
+                              </p:par>
+                              <p:par>
+                                <p:cTn id="157" presetID="14" presetClass="entr" presetSubtype="10" fill="hold" grpId="0" nodeType="withEffect">
+                                  <p:stCondLst>
+                                    <p:cond delay="0"/>
+                                  </p:stCondLst>
+                                  <p:childTnLst>
+                                    <p:set>
+                                      <p:cBhvr>
+                                        <p:cTn id="158" dur="1" fill="hold">
+                                          <p:stCondLst>
+                                            <p:cond delay="0"/>
+                                          </p:stCondLst>
+                                        </p:cTn>
+                                        <p:tgtEl>
+                                          <p:spTgt spid="14"/>
+                                        </p:tgtEl>
+                                        <p:attrNameLst>
+                                          <p:attrName>style.visibility</p:attrName>
+                                        </p:attrNameLst>
+                                      </p:cBhvr>
+                                      <p:to>
+                                        <p:strVal val="visible"/>
+                                      </p:to>
+                                    </p:set>
+                                    <p:animEffect transition="in" filter="randombar(horizontal)">
+                                      <p:cBhvr>
+                                        <p:cTn id="159" dur="500"/>
+                                        <p:tgtEl>
+                                          <p:spTgt spid="14"/>
                                         </p:tgtEl>
                                       </p:cBhvr>
                                     </p:animEffect>
@@ -26856,26 +27173,26 @@
                     </p:cTn>
                   </p:par>
                   <p:par>
-                    <p:cTn id="145" fill="hold">
+                    <p:cTn id="160" fill="hold">
                       <p:stCondLst>
                         <p:cond delay="indefinite"/>
                       </p:stCondLst>
                       <p:childTnLst>
                         <p:par>
-                          <p:cTn id="146" fill="hold">
+                          <p:cTn id="161" fill="hold">
                             <p:stCondLst>
                               <p:cond delay="0"/>
                             </p:stCondLst>
                             <p:childTnLst>
                               <p:par>
-                                <p:cTn id="147" presetID="14" presetClass="entr" presetSubtype="10" fill="hold" nodeType="clickEffect">
+                                <p:cTn id="162" presetID="14" presetClass="entr" presetSubtype="10" fill="hold" nodeType="clickEffect">
                                   <p:stCondLst>
                                     <p:cond delay="0"/>
                                   </p:stCondLst>
                                   <p:childTnLst>
                                     <p:set>
                                       <p:cBhvr>
-                                        <p:cTn id="148" dur="1" fill="hold">
+                                        <p:cTn id="163" dur="1" fill="hold">
                                           <p:stCondLst>
                                             <p:cond delay="0"/>
                                           </p:stCondLst>
@@ -26893,7 +27210,7 @@
                                     </p:set>
                                     <p:animEffect transition="in" filter="randombar(horizontal)">
                                       <p:cBhvr>
-                                        <p:cTn id="149" dur="500"/>
+                                        <p:cTn id="164" dur="500"/>
                                         <p:tgtEl>
                                           <p:spTgt spid="4"/>
                                         </p:tgtEl>
@@ -26903,14 +27220,14 @@
                                 </p:cTn>
                               </p:par>
                               <p:par>
-                                <p:cTn id="150" presetID="14" presetClass="entr" presetSubtype="10" fill="hold" nodeType="withEffect">
+                                <p:cTn id="165" presetID="14" presetClass="entr" presetSubtype="10" fill="hold" nodeType="withEffect">
                                   <p:stCondLst>
                                     <p:cond delay="0"/>
                                   </p:stCondLst>
                                   <p:childTnLst>
                                     <p:set>
                                       <p:cBhvr>
-                                        <p:cTn id="151" dur="1" fill="hold">
+                                        <p:cTn id="166" dur="1" fill="hold">
                                           <p:stCondLst>
                                             <p:cond delay="0"/>
                                           </p:stCondLst>
@@ -26928,7 +27245,7 @@
                                     </p:set>
                                     <p:animEffect transition="in" filter="randombar(horizontal)">
                                       <p:cBhvr>
-                                        <p:cTn id="152" dur="500"/>
+                                        <p:cTn id="167" dur="500"/>
                                         <p:tgtEl>
                                           <p:spTgt spid="76"/>
                                         </p:tgtEl>
@@ -26938,14 +27255,14 @@
                                 </p:cTn>
                               </p:par>
                               <p:par>
-                                <p:cTn id="153" presetID="14" presetClass="entr" presetSubtype="10" fill="hold" grpId="0" nodeType="withEffect">
+                                <p:cTn id="168" presetID="14" presetClass="entr" presetSubtype="10" fill="hold" grpId="0" nodeType="withEffect">
                                   <p:stCondLst>
                                     <p:cond delay="0"/>
                                   </p:stCondLst>
                                   <p:childTnLst>
                                     <p:set>
                                       <p:cBhvr>
-                                        <p:cTn id="154" dur="1" fill="hold">
+                                        <p:cTn id="169" dur="1" fill="hold">
                                           <p:stCondLst>
                                             <p:cond delay="0"/>
                                           </p:stCondLst>
@@ -26963,7 +27280,7 @@
                                     </p:set>
                                     <p:animEffect transition="in" filter="randombar(horizontal)">
                                       <p:cBhvr>
-                                        <p:cTn id="155" dur="500"/>
+                                        <p:cTn id="170" dur="500"/>
                                         <p:tgtEl>
                                           <p:spTgt spid="92"/>
                                         </p:tgtEl>
@@ -27014,6 +27331,11 @@
       <p:bldP spid="8" grpId="1"/>
       <p:bldP spid="15" grpId="0"/>
       <p:bldP spid="81" grpId="0"/>
+      <p:bldP spid="9" grpId="0" animBg="1"/>
+      <p:bldP spid="9" grpId="1" animBg="1"/>
+      <p:bldP spid="11" grpId="0" animBg="1"/>
+      <p:bldP spid="11" grpId="1" animBg="1"/>
+      <p:bldP spid="14" grpId="0" animBg="1"/>
     </p:bldLst>
   </p:timing>
 </p:sld>
@@ -29129,6 +29451,36 @@
           <a:chExt cx="0" cy="0"/>
         </a:xfrm>
       </p:grpSpPr>
+      <p:pic>
+        <p:nvPicPr>
+          <p:cNvPr id="18" name="圖片 17"/>
+          <p:cNvPicPr>
+            <a:picLocks noChangeAspect="1"/>
+          </p:cNvPicPr>
+          <p:nvPr/>
+        </p:nvPicPr>
+        <p:blipFill>
+          <a:blip r:embed="rId3">
+            <a:extLst>
+              <a:ext uri="{28A0092B-C50C-407E-A947-70E740481C1C}">
+                <a14:useLocalDpi xmlns:a14="http://schemas.microsoft.com/office/drawing/2010/main" val="0"/>
+              </a:ext>
+            </a:extLst>
+          </a:blip>
+          <a:stretch>
+            <a:fillRect/>
+          </a:stretch>
+        </p:blipFill>
+        <p:spPr>
+          <a:xfrm>
+            <a:off x="0" y="2312413"/>
+            <a:ext cx="9144000" cy="1808288"/>
+          </a:xfrm>
+          <a:prstGeom prst="rect">
+            <a:avLst/>
+          </a:prstGeom>
+        </p:spPr>
+      </p:pic>
       <p:sp>
         <p:nvSpPr>
           <p:cNvPr id="93" name="Google Shape;93;p17"/>
@@ -29326,36 +29678,6 @@
           </a:p>
         </p:txBody>
       </p:sp>
-      <p:pic>
-        <p:nvPicPr>
-          <p:cNvPr id="8" name="圖片 7"/>
-          <p:cNvPicPr>
-            <a:picLocks noChangeAspect="1"/>
-          </p:cNvPicPr>
-          <p:nvPr/>
-        </p:nvPicPr>
-        <p:blipFill>
-          <a:blip r:embed="rId3">
-            <a:extLst>
-              <a:ext uri="{28A0092B-C50C-407E-A947-70E740481C1C}">
-                <a14:useLocalDpi xmlns:a14="http://schemas.microsoft.com/office/drawing/2010/main" val="0"/>
-              </a:ext>
-            </a:extLst>
-          </a:blip>
-          <a:stretch>
-            <a:fillRect/>
-          </a:stretch>
-        </p:blipFill>
-        <p:spPr>
-          <a:xfrm>
-            <a:off x="0" y="2236941"/>
-            <a:ext cx="9144000" cy="1844076"/>
-          </a:xfrm>
-          <a:prstGeom prst="rect">
-            <a:avLst/>
-          </a:prstGeom>
-        </p:spPr>
-      </p:pic>
       <p:sp>
         <p:nvSpPr>
           <p:cNvPr id="4" name="矩形 3"/>
@@ -29364,8 +29686,8 @@
         </p:nvSpPr>
         <p:spPr>
           <a:xfrm>
-            <a:off x="5654181" y="2924087"/>
-            <a:ext cx="830510" cy="234892"/>
+            <a:off x="5250180" y="2997639"/>
+            <a:ext cx="750134" cy="148319"/>
           </a:xfrm>
           <a:prstGeom prst="rect">
             <a:avLst/>
@@ -29410,8 +29732,8 @@
         </p:nvSpPr>
         <p:spPr>
           <a:xfrm>
-            <a:off x="4028115" y="3630161"/>
-            <a:ext cx="1466674" cy="234892"/>
+            <a:off x="3666080" y="3720302"/>
+            <a:ext cx="1399856" cy="161775"/>
           </a:xfrm>
           <a:prstGeom prst="rect">
             <a:avLst/>
@@ -29456,7 +29778,7 @@
         </p:nvSpPr>
         <p:spPr>
           <a:xfrm>
-            <a:off x="5584444" y="3370446"/>
+            <a:off x="3369311" y="4239132"/>
             <a:ext cx="1800493" cy="307777"/>
           </a:xfrm>
           <a:prstGeom prst="rect">
@@ -29491,8 +29813,8 @@
         </p:nvSpPr>
         <p:spPr>
           <a:xfrm>
-            <a:off x="2223083" y="3158979"/>
-            <a:ext cx="947956" cy="211467"/>
+            <a:off x="2000116" y="3139068"/>
+            <a:ext cx="947956" cy="253252"/>
           </a:xfrm>
           <a:prstGeom prst="rect">
             <a:avLst/>
@@ -29537,8 +29859,8 @@
         </p:nvSpPr>
         <p:spPr>
           <a:xfrm>
-            <a:off x="6592831" y="3641873"/>
-            <a:ext cx="2492446" cy="211467"/>
+            <a:off x="6069436" y="3690291"/>
+            <a:ext cx="2423324" cy="211467"/>
           </a:xfrm>
           <a:prstGeom prst="rect">
             <a:avLst/>
@@ -29583,7 +29905,7 @@
         </p:nvSpPr>
         <p:spPr>
           <a:xfrm>
-            <a:off x="7759274" y="3260307"/>
+            <a:off x="3744849" y="4213069"/>
             <a:ext cx="1261884" cy="307777"/>
           </a:xfrm>
           <a:prstGeom prst="rect">
@@ -29618,8 +29940,8 @@
         </p:nvSpPr>
         <p:spPr>
           <a:xfrm>
-            <a:off x="2223083" y="3260307"/>
-            <a:ext cx="4369748" cy="264027"/>
+            <a:off x="1953819" y="3348267"/>
+            <a:ext cx="4218381" cy="158599"/>
           </a:xfrm>
           <a:prstGeom prst="rect">
             <a:avLst/>
@@ -29664,7 +29986,7 @@
         </p:nvSpPr>
         <p:spPr>
           <a:xfrm>
-            <a:off x="6550757" y="3216557"/>
+            <a:off x="3282691" y="4239133"/>
             <a:ext cx="2228495" cy="307777"/>
           </a:xfrm>
           <a:prstGeom prst="rect">
@@ -29720,8 +30042,8 @@
         </p:nvSpPr>
         <p:spPr>
           <a:xfrm>
-            <a:off x="2156604" y="2924087"/>
-            <a:ext cx="540457" cy="182331"/>
+            <a:off x="2000115" y="3017275"/>
+            <a:ext cx="354465" cy="150845"/>
           </a:xfrm>
           <a:prstGeom prst="rect">
             <a:avLst/>
@@ -29766,8 +30088,8 @@
         </p:nvSpPr>
         <p:spPr>
           <a:xfrm>
-            <a:off x="2156604" y="3534496"/>
-            <a:ext cx="3427840" cy="249554"/>
+            <a:off x="2087880" y="3572346"/>
+            <a:ext cx="3081924" cy="189192"/>
           </a:xfrm>
           <a:prstGeom prst="rect">
             <a:avLst/>
@@ -29812,7 +30134,7 @@
         </p:nvSpPr>
         <p:spPr>
           <a:xfrm>
-            <a:off x="3353551" y="3109183"/>
+            <a:off x="2771738" y="4228655"/>
             <a:ext cx="3297698" cy="307777"/>
           </a:xfrm>
           <a:prstGeom prst="rect">
@@ -29912,7 +30234,7 @@
         </p:nvSpPr>
         <p:spPr>
           <a:xfrm>
-            <a:off x="776377" y="3784050"/>
+            <a:off x="616357" y="3810970"/>
             <a:ext cx="2484408" cy="209980"/>
           </a:xfrm>
           <a:prstGeom prst="rect">
@@ -29958,7 +30280,7 @@
         </p:nvSpPr>
         <p:spPr>
           <a:xfrm>
-            <a:off x="3351499" y="3738115"/>
+            <a:off x="3177544" y="4219566"/>
             <a:ext cx="2388795" cy="307777"/>
           </a:xfrm>
           <a:prstGeom prst="rect">
@@ -35203,41 +35525,9 @@
           <a:chExt cx="0" cy="0"/>
         </a:xfrm>
       </p:grpSpPr>
-      <p:sp>
-        <p:nvSpPr>
-          <p:cNvPr id="2" name="投影片編號版面配置區 1"/>
-          <p:cNvSpPr>
-            <a:spLocks noGrp="1"/>
-          </p:cNvSpPr>
-          <p:nvPr>
-            <p:ph type="sldNum" idx="12"/>
-          </p:nvPr>
-        </p:nvSpPr>
-        <p:spPr/>
-        <p:txBody>
-          <a:bodyPr/>
-          <a:lstStyle/>
-          <a:p>
-            <a:pPr marL="0" lvl="0" indent="0" algn="r" rtl="0">
-              <a:spcBef>
-                <a:spcPts val="0"/>
-              </a:spcBef>
-              <a:spcAft>
-                <a:spcPts val="0"/>
-              </a:spcAft>
-              <a:buNone/>
-            </a:pPr>
-            <a:fld id="{00000000-1234-1234-1234-123412341234}" type="slidenum">
-              <a:rPr lang="en-US" altLang="zh-TW" smtClean="0"/>
-              <a:t>30</a:t>
-            </a:fld>
-            <a:endParaRPr lang="zh-TW" altLang="en-US"/>
-          </a:p>
-        </p:txBody>
-      </p:sp>
       <p:pic>
         <p:nvPicPr>
-          <p:cNvPr id="3" name="圖片 2"/>
+          <p:cNvPr id="4" name="圖片 3"/>
           <p:cNvPicPr>
             <a:picLocks noChangeAspect="1"/>
           </p:cNvPicPr>
@@ -35257,14 +35547,46 @@
         </p:blipFill>
         <p:spPr>
           <a:xfrm>
-            <a:off x="864745" y="0"/>
-            <a:ext cx="7414510" cy="5143500"/>
+            <a:off x="1042147" y="0"/>
+            <a:ext cx="7059706" cy="5143500"/>
           </a:xfrm>
           <a:prstGeom prst="rect">
             <a:avLst/>
           </a:prstGeom>
         </p:spPr>
       </p:pic>
+      <p:sp>
+        <p:nvSpPr>
+          <p:cNvPr id="2" name="投影片編號版面配置區 1"/>
+          <p:cNvSpPr>
+            <a:spLocks noGrp="1"/>
+          </p:cNvSpPr>
+          <p:nvPr>
+            <p:ph type="sldNum" idx="12"/>
+          </p:nvPr>
+        </p:nvSpPr>
+        <p:spPr/>
+        <p:txBody>
+          <a:bodyPr/>
+          <a:lstStyle/>
+          <a:p>
+            <a:pPr marL="0" lvl="0" indent="0" algn="r" rtl="0">
+              <a:spcBef>
+                <a:spcPts val="0"/>
+              </a:spcBef>
+              <a:spcAft>
+                <a:spcPts val="0"/>
+              </a:spcAft>
+              <a:buNone/>
+            </a:pPr>
+            <a:fld id="{00000000-1234-1234-1234-123412341234}" type="slidenum">
+              <a:rPr lang="en-US" altLang="zh-TW" smtClean="0"/>
+              <a:t>30</a:t>
+            </a:fld>
+            <a:endParaRPr lang="zh-TW" altLang="en-US"/>
+          </a:p>
+        </p:txBody>
+      </p:sp>
       <p:sp>
         <p:nvSpPr>
           <p:cNvPr id="5" name="矩形 4"/>
@@ -35375,8 +35697,8 @@
         </p:nvSpPr>
         <p:spPr>
           <a:xfrm>
-            <a:off x="1917290" y="1477952"/>
-            <a:ext cx="6115786" cy="1943674"/>
+            <a:off x="1965960" y="1477952"/>
+            <a:ext cx="5791200" cy="1943674"/>
           </a:xfrm>
           <a:prstGeom prst="rect">
             <a:avLst/>
@@ -35460,8 +35782,8 @@
         </p:nvSpPr>
         <p:spPr>
           <a:xfrm>
-            <a:off x="2123768" y="3421626"/>
-            <a:ext cx="3647767" cy="432619"/>
+            <a:off x="2171700" y="3421627"/>
+            <a:ext cx="3599835" cy="373134"/>
           </a:xfrm>
           <a:prstGeom prst="rect">
             <a:avLst/>
@@ -35541,8 +35863,8 @@
         </p:nvSpPr>
         <p:spPr>
           <a:xfrm>
-            <a:off x="1691148" y="4344984"/>
-            <a:ext cx="3441291" cy="554594"/>
+            <a:off x="1798320" y="4344984"/>
+            <a:ext cx="3334119" cy="431185"/>
           </a:xfrm>
           <a:prstGeom prst="rect">
             <a:avLst/>

--- a/Documents/論文簡報_FINAL.pptx
+++ b/Documents/論文簡報_FINAL.pptx
@@ -2932,22 +2932,9 @@
                 <a:cs typeface="Arial"/>
                 <a:sym typeface="Arial"/>
               </a:rPr>
-              <a:t>智能合約是區塊鏈中一種制訂合約時所使用的特殊協議，智能合約中內含了程式碼函式，可用於做決策、儲存資料等</a:t>
-            </a:r>
-            <a:r>
-              <a:rPr lang="zh-TW" altLang="en-US" sz="1100" b="0" i="0" u="none" strike="noStrike" cap="none" dirty="0" smtClean="0">
-                <a:solidFill>
-                  <a:srgbClr val="000000"/>
-                </a:solidFill>
-                <a:effectLst/>
-                <a:latin typeface="Arial"/>
-                <a:ea typeface="Arial"/>
-                <a:cs typeface="Arial"/>
-                <a:sym typeface="Arial"/>
-              </a:rPr>
-              <a:t>。</a:t>
-            </a:r>
-            <a:endParaRPr lang="en-US" altLang="zh-TW" sz="1100" b="0" i="0" u="none" strike="noStrike" cap="none" dirty="0" smtClean="0">
+              <a:t>智能合約是區塊鏈中一種制訂合約時所使用的特殊協議，智能合約中內含了程式碼函式，可用於做決策、儲存資料等。</a:t>
+            </a:r>
+            <a:endParaRPr lang="en-US" altLang="zh-TW" sz="1100" b="0" i="0" u="none" strike="noStrike" cap="none" dirty="0">
               <a:solidFill>
                 <a:srgbClr val="000000"/>
               </a:solidFill>
@@ -2962,7 +2949,7 @@
             <a:pPr marL="158750" indent="0" fontAlgn="base">
               <a:buNone/>
             </a:pPr>
-            <a:endParaRPr lang="en-US" altLang="zh-TW" sz="1100" b="0" i="0" u="none" strike="noStrike" cap="none" dirty="0" smtClean="0">
+            <a:endParaRPr lang="en-US" altLang="zh-TW" sz="1100" b="0" i="0" u="none" strike="noStrike" cap="none" dirty="0">
               <a:solidFill>
                 <a:srgbClr val="000000"/>
               </a:solidFill>
@@ -5082,10 +5069,6 @@
               <a:rPr lang="zh-TW" altLang="en-US" dirty="0"/>
               <a:t>解釋合約如何有小到大儲存</a:t>
             </a:r>
-            <a:r>
-              <a:rPr lang="en-US" altLang="zh-TW" dirty="0"/>
-              <a:t/>
-            </a:r>
             <a:br>
               <a:rPr lang="en-US" altLang="zh-TW" dirty="0"/>
             </a:br>
@@ -5234,22 +5217,14 @@
               <a:rPr lang="zh-TW" altLang="en-US" dirty="0"/>
               <a:t>解釋合約如何有小到大儲存</a:t>
             </a:r>
-            <a:r>
-              <a:rPr lang="en-US" altLang="zh-TW" dirty="0"/>
-              <a:t/>
-            </a:r>
             <a:br>
               <a:rPr lang="en-US" altLang="zh-TW" dirty="0"/>
             </a:br>
             <a:r>
               <a:rPr lang="zh-TW" altLang="en-US" dirty="0"/>
-              <a:t>解釋合約使用</a:t>
-            </a:r>
-            <a:r>
-              <a:rPr lang="zh-TW" altLang="en-US" dirty="0" smtClean="0"/>
-              <a:t>流程</a:t>
-            </a:r>
-            <a:endParaRPr lang="en-US" altLang="zh-TW" dirty="0" smtClean="0"/>
+              <a:t>解釋合約使用流程</a:t>
+            </a:r>
+            <a:endParaRPr lang="en-US" altLang="zh-TW" dirty="0"/>
           </a:p>
           <a:p>
             <a:pPr marL="0" lvl="0" indent="0" algn="l" rtl="0">
@@ -5261,7 +5236,7 @@
               </a:spcAft>
               <a:buNone/>
             </a:pPr>
-            <a:endParaRPr lang="en-US" altLang="zh-TW" dirty="0" smtClean="0"/>
+            <a:endParaRPr lang="en-US" altLang="zh-TW" dirty="0"/>
           </a:p>
           <a:p>
             <a:pPr marL="0" lvl="0" indent="0" algn="l" rtl="0">
@@ -5274,7 +5249,7 @@
               <a:buNone/>
             </a:pPr>
             <a:r>
-              <a:rPr lang="zh-TW" altLang="en-US" dirty="0" smtClean="0"/>
+              <a:rPr lang="zh-TW" altLang="en-US" dirty="0"/>
               <a:t>換背景顏色</a:t>
             </a:r>
             <a:endParaRPr lang="en-US" altLang="zh-TW" dirty="0"/>
@@ -6057,10 +6032,6 @@
             <a:r>
               <a:rPr lang="zh-TW" altLang="en-US" dirty="0"/>
               <a:t>解釋合約如何有小到大儲存</a:t>
-            </a:r>
-            <a:r>
-              <a:rPr lang="en-US" altLang="zh-TW" dirty="0"/>
-              <a:t/>
             </a:r>
             <a:br>
               <a:rPr lang="en-US" altLang="zh-TW" dirty="0"/>
@@ -12975,13 +12946,6 @@
   <p:clrMapOvr>
     <a:masterClrMapping/>
   </p:clrMapOvr>
-  <p:timing>
-    <p:tnLst>
-      <p:par>
-        <p:cTn id="1" dur="indefinite" restart="never" nodeType="tmRoot"/>
-      </p:par>
-    </p:tnLst>
-  </p:timing>
 </p:sld>
 </file>
 
@@ -13265,13 +13229,6 @@
   <p:clrMapOvr>
     <a:masterClrMapping/>
   </p:clrMapOvr>
-  <p:timing>
-    <p:tnLst>
-      <p:par>
-        <p:cTn id="1" dur="indefinite" restart="never" nodeType="tmRoot"/>
-      </p:par>
-    </p:tnLst>
-  </p:timing>
 </p:sld>
 </file>
 
@@ -13525,13 +13482,6 @@
   <p:clrMapOvr>
     <a:masterClrMapping/>
   </p:clrMapOvr>
-  <p:timing>
-    <p:tnLst>
-      <p:par>
-        <p:cTn id="1" dur="indefinite" restart="never" nodeType="tmRoot"/>
-      </p:par>
-    </p:tnLst>
-  </p:timing>
 </p:sld>
 </file>
 
@@ -13777,13 +13727,6 @@
   <p:clrMapOvr>
     <a:masterClrMapping/>
   </p:clrMapOvr>
-  <p:timing>
-    <p:tnLst>
-      <p:par>
-        <p:cTn id="1" dur="indefinite" restart="never" nodeType="tmRoot"/>
-      </p:par>
-    </p:tnLst>
-  </p:timing>
 </p:sld>
 </file>
 
@@ -14053,13 +13996,6 @@
   <p:clrMapOvr>
     <a:masterClrMapping/>
   </p:clrMapOvr>
-  <p:timing>
-    <p:tnLst>
-      <p:par>
-        <p:cTn id="1" dur="indefinite" restart="never" nodeType="tmRoot"/>
-      </p:par>
-    </p:tnLst>
-  </p:timing>
 </p:sld>
 </file>
 
@@ -14161,7 +14097,7 @@
               </a:lnSpc>
             </a:pPr>
             <a:r>
-              <a:rPr lang="zh-TW" altLang="en-US" sz="2400" dirty="0" smtClean="0">
+              <a:rPr lang="zh-TW" altLang="en-US" sz="2400" dirty="0">
                 <a:solidFill>
                   <a:schemeClr val="bg1">
                     <a:lumMod val="75000"/>
@@ -14384,13 +14320,6 @@
   <p:clrMapOvr>
     <a:masterClrMapping/>
   </p:clrMapOvr>
-  <p:timing>
-    <p:tnLst>
-      <p:par>
-        <p:cTn id="1" dur="indefinite" restart="never" nodeType="tmRoot"/>
-      </p:par>
-    </p:tnLst>
-  </p:timing>
 </p:sld>
 </file>
 
@@ -16621,13 +16550,6 @@
   <p:clrMapOvr>
     <a:masterClrMapping/>
   </p:clrMapOvr>
-  <p:timing>
-    <p:tnLst>
-      <p:par>
-        <p:cTn id="1" dur="indefinite" restart="never" nodeType="tmRoot"/>
-      </p:par>
-    </p:tnLst>
-  </p:timing>
 </p:sld>
 </file>
 
@@ -16823,13 +16745,6 @@
   <p:clrMapOvr>
     <a:masterClrMapping/>
   </p:clrMapOvr>
-  <p:timing>
-    <p:tnLst>
-      <p:par>
-        <p:cTn id="1" dur="indefinite" restart="never" nodeType="tmRoot"/>
-      </p:par>
-    </p:tnLst>
-  </p:timing>
 </p:sld>
 </file>
 
@@ -16935,7 +16850,7 @@
               </a:spcAft>
             </a:pPr>
             <a:r>
-              <a:rPr lang="zh-TW" altLang="en-US" sz="2400" dirty="0" smtClean="0">
+              <a:rPr lang="zh-TW" altLang="en-US" sz="2400" dirty="0">
                 <a:solidFill>
                   <a:schemeClr val="tx1"/>
                 </a:solidFill>
@@ -16943,7 +16858,18 @@
                 <a:ea typeface="標楷體" panose="03000509000000000000" pitchFamily="65" charset="-120"/>
                 <a:cs typeface="Times New Roman" panose="02020603050405020304" pitchFamily="18" charset="0"/>
               </a:rPr>
-              <a:t>為何不使用</a:t>
+              <a:t>為何不使用智能合約的</a:t>
+            </a:r>
+            <a:r>
+              <a:rPr lang="en-US" altLang="zh-TW" sz="2400" dirty="0">
+                <a:solidFill>
+                  <a:schemeClr val="tx1"/>
+                </a:solidFill>
+                <a:latin typeface="Times New Roman" panose="02020603050405020304" pitchFamily="18" charset="0"/>
+                <a:ea typeface="標楷體" panose="03000509000000000000" pitchFamily="65" charset="-120"/>
+                <a:cs typeface="Times New Roman" panose="02020603050405020304" pitchFamily="18" charset="0"/>
+              </a:rPr>
+              <a:t>Event</a:t>
             </a:r>
             <a:r>
               <a:rPr lang="zh-TW" altLang="en-US" sz="2400" dirty="0">
@@ -16954,21 +16880,10 @@
                 <a:ea typeface="標楷體" panose="03000509000000000000" pitchFamily="65" charset="-120"/>
                 <a:cs typeface="Times New Roman" panose="02020603050405020304" pitchFamily="18" charset="0"/>
               </a:rPr>
-              <a:t>智能</a:t>
-            </a:r>
-            <a:r>
-              <a:rPr lang="zh-TW" altLang="en-US" sz="2400" dirty="0" smtClean="0">
-                <a:solidFill>
-                  <a:schemeClr val="tx1"/>
-                </a:solidFill>
-                <a:latin typeface="標楷體" panose="03000509000000000000" pitchFamily="65" charset="-120"/>
-                <a:ea typeface="標楷體" panose="03000509000000000000" pitchFamily="65" charset="-120"/>
-                <a:cs typeface="Times New Roman" panose="02020603050405020304" pitchFamily="18" charset="0"/>
-              </a:rPr>
-              <a:t>合約的</a:t>
-            </a:r>
-            <a:r>
-              <a:rPr lang="en-US" altLang="zh-TW" sz="2400" dirty="0" smtClean="0">
+              <a:t>或</a:t>
+            </a:r>
+            <a:r>
+              <a:rPr lang="en-US" altLang="zh-TW" sz="2400" dirty="0">
                 <a:solidFill>
                   <a:schemeClr val="tx1"/>
                 </a:solidFill>
@@ -16976,32 +16891,10 @@
                 <a:ea typeface="標楷體" panose="03000509000000000000" pitchFamily="65" charset="-120"/>
                 <a:cs typeface="Times New Roman" panose="02020603050405020304" pitchFamily="18" charset="0"/>
               </a:rPr>
-              <a:t>Event</a:t>
-            </a:r>
-            <a:r>
-              <a:rPr lang="zh-TW" altLang="en-US" sz="2400" dirty="0" smtClean="0">
-                <a:solidFill>
-                  <a:schemeClr val="tx1"/>
-                </a:solidFill>
-                <a:latin typeface="標楷體" panose="03000509000000000000" pitchFamily="65" charset="-120"/>
-                <a:ea typeface="標楷體" panose="03000509000000000000" pitchFamily="65" charset="-120"/>
-                <a:cs typeface="Times New Roman" panose="02020603050405020304" pitchFamily="18" charset="0"/>
-              </a:rPr>
-              <a:t>或</a:t>
-            </a:r>
-            <a:r>
-              <a:rPr lang="en-US" altLang="zh-TW" sz="2400" dirty="0" smtClean="0">
-                <a:solidFill>
-                  <a:schemeClr val="tx1"/>
-                </a:solidFill>
-                <a:latin typeface="Times New Roman" panose="02020603050405020304" pitchFamily="18" charset="0"/>
-                <a:ea typeface="標楷體" panose="03000509000000000000" pitchFamily="65" charset="-120"/>
-                <a:cs typeface="Times New Roman" panose="02020603050405020304" pitchFamily="18" charset="0"/>
-              </a:rPr>
               <a:t>Log</a:t>
             </a:r>
             <a:r>
-              <a:rPr lang="zh-TW" altLang="en-US" sz="2400" dirty="0" smtClean="0">
+              <a:rPr lang="zh-TW" altLang="en-US" sz="2400" dirty="0">
                 <a:solidFill>
                   <a:schemeClr val="tx1"/>
                 </a:solidFill>
@@ -17030,7 +16923,7 @@
               </a:spcBef>
             </a:pPr>
             <a:r>
-              <a:rPr lang="en-US" altLang="zh-TW" sz="2000" dirty="0" smtClean="0">
+              <a:rPr lang="en-US" altLang="zh-TW" sz="2000" dirty="0">
                 <a:solidFill>
                   <a:schemeClr val="tx1"/>
                 </a:solidFill>
@@ -17041,7 +16934,7 @@
               <a:t>Event</a:t>
             </a:r>
             <a:r>
-              <a:rPr lang="zh-TW" altLang="en-US" sz="2000" dirty="0" smtClean="0">
+              <a:rPr lang="zh-TW" altLang="en-US" sz="2000" dirty="0">
                 <a:solidFill>
                   <a:schemeClr val="tx1"/>
                 </a:solidFill>
@@ -17052,7 +16945,7 @@
               <a:t>或</a:t>
             </a:r>
             <a:r>
-              <a:rPr lang="en-US" altLang="zh-TW" sz="2000" dirty="0" smtClean="0">
+              <a:rPr lang="en-US" altLang="zh-TW" sz="2000" dirty="0">
                 <a:solidFill>
                   <a:schemeClr val="tx1"/>
                 </a:solidFill>
@@ -17063,7 +16956,7 @@
               <a:t>Log</a:t>
             </a:r>
             <a:r>
-              <a:rPr lang="zh-TW" altLang="en-US" sz="2000" dirty="0" smtClean="0">
+              <a:rPr lang="zh-TW" altLang="en-US" sz="2000" dirty="0">
                 <a:solidFill>
                   <a:schemeClr val="tx1"/>
                 </a:solidFill>
@@ -17074,7 +16967,7 @@
               <a:t>花費的</a:t>
             </a:r>
             <a:r>
-              <a:rPr lang="en-US" altLang="zh-TW" sz="2000" dirty="0" smtClean="0">
+              <a:rPr lang="en-US" altLang="zh-TW" sz="2000" dirty="0">
                 <a:solidFill>
                   <a:schemeClr val="tx1"/>
                 </a:solidFill>
@@ -17085,7 +16978,7 @@
               <a:t>Gas</a:t>
             </a:r>
             <a:r>
-              <a:rPr lang="zh-TW" altLang="en-US" sz="2000" dirty="0" smtClean="0">
+              <a:rPr lang="zh-TW" altLang="en-US" sz="2000" dirty="0">
                 <a:solidFill>
                   <a:schemeClr val="tx1"/>
                 </a:solidFill>
@@ -17095,7 +16988,7 @@
               </a:rPr>
               <a:t>較低</a:t>
             </a:r>
-            <a:endParaRPr lang="en-US" altLang="zh-TW" sz="2000" dirty="0" smtClean="0">
+            <a:endParaRPr lang="en-US" altLang="zh-TW" sz="2000" dirty="0">
               <a:solidFill>
                 <a:schemeClr val="tx1"/>
               </a:solidFill>
@@ -17114,7 +17007,7 @@
               </a:spcBef>
             </a:pPr>
             <a:r>
-              <a:rPr lang="zh-TW" altLang="en-US" sz="2000" dirty="0" smtClean="0">
+              <a:rPr lang="zh-TW" altLang="en-US" sz="2000" dirty="0">
                 <a:solidFill>
                   <a:schemeClr val="tx1"/>
                 </a:solidFill>
@@ -17125,7 +17018,7 @@
               <a:t>無法透過合約查詢</a:t>
             </a:r>
             <a:r>
-              <a:rPr lang="en-US" altLang="zh-TW" sz="2000" dirty="0" smtClean="0">
+              <a:rPr lang="en-US" altLang="zh-TW" sz="2000" dirty="0">
                 <a:solidFill>
                   <a:schemeClr val="tx1"/>
                 </a:solidFill>
@@ -17136,7 +17029,7 @@
               <a:t>Event</a:t>
             </a:r>
             <a:r>
-              <a:rPr lang="zh-TW" altLang="en-US" sz="2000" dirty="0" smtClean="0">
+              <a:rPr lang="zh-TW" altLang="en-US" sz="2000" dirty="0">
                 <a:solidFill>
                   <a:schemeClr val="tx1"/>
                 </a:solidFill>
@@ -17147,7 +17040,7 @@
               <a:t>或</a:t>
             </a:r>
             <a:r>
-              <a:rPr lang="en-US" altLang="zh-TW" sz="2000" dirty="0" smtClean="0">
+              <a:rPr lang="en-US" altLang="zh-TW" sz="2000" dirty="0">
                 <a:solidFill>
                   <a:schemeClr val="tx1"/>
                 </a:solidFill>
@@ -17157,14 +17050,6 @@
               </a:rPr>
               <a:t>Log</a:t>
             </a:r>
-            <a:endParaRPr lang="en-US" altLang="zh-TW" sz="2000" dirty="0" smtClean="0">
-              <a:solidFill>
-                <a:schemeClr val="tx1"/>
-              </a:solidFill>
-              <a:latin typeface="Times New Roman" panose="02020603050405020304" pitchFamily="18" charset="0"/>
-              <a:ea typeface="標楷體" panose="03000509000000000000" pitchFamily="65" charset="-120"/>
-              <a:cs typeface="Times New Roman" panose="02020603050405020304" pitchFamily="18" charset="0"/>
-            </a:endParaRPr>
           </a:p>
           <a:p>
             <a:pPr>
@@ -17237,7 +17122,7 @@
               </a:spcBef>
             </a:pPr>
             <a:r>
-              <a:rPr lang="zh-TW" altLang="en-US" sz="2000" dirty="0" smtClean="0">
+              <a:rPr lang="zh-TW" altLang="en-US" sz="2000" dirty="0">
                 <a:solidFill>
                   <a:schemeClr val="tx1"/>
                 </a:solidFill>
@@ -17248,7 +17133,7 @@
               <a:t>查詢合約內之儲存數據</a:t>
             </a:r>
             <a:r>
-              <a:rPr lang="zh-TW" altLang="en-US" sz="2000" dirty="0" smtClean="0">
+              <a:rPr lang="zh-TW" altLang="en-US" sz="2000" dirty="0">
                 <a:solidFill>
                   <a:schemeClr val="tx1"/>
                 </a:solidFill>
@@ -17256,29 +17141,7 @@
                 <a:ea typeface="標楷體" panose="03000509000000000000" pitchFamily="65" charset="-120"/>
                 <a:cs typeface="Times New Roman" panose="02020603050405020304" pitchFamily="18" charset="0"/>
               </a:rPr>
-              <a:t>時</a:t>
-            </a:r>
-            <a:r>
-              <a:rPr lang="zh-TW" altLang="en-US" sz="2000" dirty="0">
-                <a:solidFill>
-                  <a:schemeClr val="tx1"/>
-                </a:solidFill>
-                <a:latin typeface="標楷體" panose="03000509000000000000" pitchFamily="65" charset="-120"/>
-                <a:ea typeface="標楷體" panose="03000509000000000000" pitchFamily="65" charset="-120"/>
-                <a:cs typeface="Times New Roman" panose="02020603050405020304" pitchFamily="18" charset="0"/>
-              </a:rPr>
-              <a:t>為去中心</a:t>
-            </a:r>
-            <a:r>
-              <a:rPr lang="zh-TW" altLang="en-US" sz="2000" dirty="0" smtClean="0">
-                <a:solidFill>
-                  <a:schemeClr val="tx1"/>
-                </a:solidFill>
-                <a:latin typeface="標楷體" panose="03000509000000000000" pitchFamily="65" charset="-120"/>
-                <a:ea typeface="標楷體" panose="03000509000000000000" pitchFamily="65" charset="-120"/>
-                <a:cs typeface="Times New Roman" panose="02020603050405020304" pitchFamily="18" charset="0"/>
-              </a:rPr>
-              <a:t>化方式</a:t>
+              <a:t>時為去中心化方式</a:t>
             </a:r>
             <a:endParaRPr lang="en-US" altLang="zh-TW" sz="2000" dirty="0">
               <a:solidFill>
@@ -17301,7 +17164,7 @@
                 <a:spcPts val="600"/>
               </a:spcAft>
             </a:pPr>
-            <a:endParaRPr lang="en-US" altLang="zh-TW" sz="2000" dirty="0" smtClean="0">
+            <a:endParaRPr lang="en-US" altLang="zh-TW" sz="2000" dirty="0">
               <a:solidFill>
                 <a:schemeClr val="tx1"/>
               </a:solidFill>
@@ -17435,13 +17298,6 @@
   <p:clrMapOvr>
     <a:masterClrMapping/>
   </p:clrMapOvr>
-  <p:timing>
-    <p:tnLst>
-      <p:par>
-        <p:cTn id="1" dur="indefinite" restart="never" nodeType="tmRoot"/>
-      </p:par>
-    </p:tnLst>
-  </p:timing>
 </p:sld>
 </file>
 
@@ -17646,7 +17502,7 @@
               </a:lnSpc>
             </a:pPr>
             <a:r>
-              <a:rPr lang="zh-TW" altLang="en-US" sz="2400" dirty="0" smtClean="0">
+              <a:rPr lang="zh-TW" altLang="en-US" sz="2400" dirty="0">
                 <a:solidFill>
                   <a:schemeClr val="tx1"/>
                 </a:solidFill>
@@ -17657,7 +17513,7 @@
               <a:t>不須支付實際的</a:t>
             </a:r>
             <a:r>
-              <a:rPr lang="en-US" altLang="zh-TW" sz="2400" dirty="0" smtClean="0">
+              <a:rPr lang="en-US" altLang="zh-TW" sz="2400" dirty="0">
                 <a:solidFill>
                   <a:schemeClr val="tx1"/>
                 </a:solidFill>
@@ -17668,7 +17524,7 @@
               <a:t>Gas</a:t>
             </a:r>
             <a:r>
-              <a:rPr lang="zh-TW" altLang="en-US" sz="2400" dirty="0" smtClean="0">
+              <a:rPr lang="zh-TW" altLang="en-US" sz="2400" dirty="0">
                 <a:solidFill>
                   <a:schemeClr val="tx1"/>
                 </a:solidFill>
@@ -17716,13 +17572,6 @@
   <p:clrMapOvr>
     <a:masterClrMapping/>
   </p:clrMapOvr>
-  <p:timing>
-    <p:tnLst>
-      <p:par>
-        <p:cTn id="1" dur="indefinite" restart="never" nodeType="tmRoot"/>
-      </p:par>
-    </p:tnLst>
-  </p:timing>
 </p:sld>
 </file>
 
@@ -18061,13 +17910,6 @@
   <p:clrMapOvr>
     <a:masterClrMapping/>
   </p:clrMapOvr>
-  <p:timing>
-    <p:tnLst>
-      <p:par>
-        <p:cTn id="1" dur="indefinite" restart="never" nodeType="tmRoot"/>
-      </p:par>
-    </p:tnLst>
-  </p:timing>
 </p:sld>
 </file>
 
@@ -18340,13 +18182,6 @@
   <p:clrMapOvr>
     <a:masterClrMapping/>
   </p:clrMapOvr>
-  <p:timing>
-    <p:tnLst>
-      <p:par>
-        <p:cTn id="1" dur="indefinite" restart="never" nodeType="tmRoot"/>
-      </p:par>
-    </p:tnLst>
-  </p:timing>
 </p:sld>
 </file>
 
@@ -18448,7 +18283,7 @@
               </a:lnSpc>
             </a:pPr>
             <a:r>
-              <a:rPr lang="zh-TW" altLang="en-US" sz="2400" dirty="0" smtClean="0">
+              <a:rPr lang="zh-TW" altLang="en-US" sz="2400" dirty="0">
                 <a:solidFill>
                   <a:schemeClr val="bg1">
                     <a:lumMod val="75000"/>
@@ -18458,20 +18293,7 @@
                 <a:ea typeface="標楷體" panose="03000509000000000000" pitchFamily="65" charset="-120"/>
                 <a:cs typeface="Times New Roman" panose="02020603050405020304" pitchFamily="18" charset="0"/>
               </a:rPr>
-              <a:t>研究問題</a:t>
-            </a:r>
-            <a:r>
-              <a:rPr lang="zh-TW" altLang="en-US" sz="2400" dirty="0">
-                <a:solidFill>
-                  <a:schemeClr val="bg1">
-                    <a:lumMod val="75000"/>
-                  </a:schemeClr>
-                </a:solidFill>
-                <a:latin typeface="Times New Roman" panose="02020603050405020304" pitchFamily="18" charset="0"/>
-                <a:ea typeface="標楷體" panose="03000509000000000000" pitchFamily="65" charset="-120"/>
-                <a:cs typeface="Times New Roman" panose="02020603050405020304" pitchFamily="18" charset="0"/>
-              </a:rPr>
-              <a:t>介紹</a:t>
+              <a:t>研究問題介紹</a:t>
             </a:r>
             <a:endParaRPr lang="en-US" altLang="zh-TW" sz="2400" dirty="0">
               <a:solidFill>
@@ -18521,7 +18343,7 @@
               </a:lnSpc>
             </a:pPr>
             <a:r>
-              <a:rPr lang="en-US" altLang="zh-TW" sz="2400" dirty="0" smtClean="0">
+              <a:rPr lang="en-US" altLang="zh-TW" sz="2400" dirty="0">
                 <a:solidFill>
                   <a:schemeClr val="bg1">
                     <a:lumMod val="75000"/>
@@ -18534,7 +18356,7 @@
               <a:t>High Level Idea</a:t>
             </a:r>
             <a:r>
-              <a:rPr lang="zh-TW" altLang="en-US" sz="2400" dirty="0" smtClean="0">
+              <a:rPr lang="zh-TW" altLang="en-US" sz="2400" dirty="0">
                 <a:solidFill>
                   <a:schemeClr val="bg1">
                     <a:lumMod val="75000"/>
@@ -18544,20 +18366,7 @@
                 <a:ea typeface="標楷體" panose="03000509000000000000" pitchFamily="65" charset="-120"/>
                 <a:cs typeface="Times New Roman" panose="02020603050405020304" pitchFamily="18" charset="0"/>
               </a:rPr>
-              <a:t>與</a:t>
-            </a:r>
-            <a:r>
-              <a:rPr lang="zh-TW" altLang="en-US" sz="2400" dirty="0">
-                <a:solidFill>
-                  <a:schemeClr val="bg1">
-                    <a:lumMod val="75000"/>
-                  </a:schemeClr>
-                </a:solidFill>
-                <a:latin typeface="Times New Roman" panose="02020603050405020304" pitchFamily="18" charset="0"/>
-                <a:ea typeface="標楷體" panose="03000509000000000000" pitchFamily="65" charset="-120"/>
-                <a:cs typeface="Times New Roman" panose="02020603050405020304" pitchFamily="18" charset="0"/>
-              </a:rPr>
-              <a:t>技術背景</a:t>
+              <a:t>與技術背景</a:t>
             </a:r>
             <a:endParaRPr lang="en-US" altLang="zh-TW" sz="2400" dirty="0">
               <a:solidFill>
@@ -18699,13 +18508,6 @@
   <p:clrMapOvr>
     <a:masterClrMapping/>
   </p:clrMapOvr>
-  <p:timing>
-    <p:tnLst>
-      <p:par>
-        <p:cTn id="1" dur="indefinite" restart="never" nodeType="tmRoot"/>
-      </p:par>
-    </p:tnLst>
-  </p:timing>
 </p:sld>
 </file>
 
@@ -18787,7 +18589,7 @@
           <a:lstStyle/>
           <a:p>
             <a:r>
-              <a:rPr kumimoji="1" lang="en-US" altLang="zh-TW" sz="1200" b="1" dirty="0" smtClean="0">
+              <a:rPr kumimoji="1" lang="en-US" altLang="zh-TW" sz="1200" b="1" dirty="0">
                 <a:solidFill>
                   <a:schemeClr val="accent1">
                     <a:lumMod val="50000"/>
@@ -21374,13 +21176,6 @@
   <p:clrMapOvr>
     <a:masterClrMapping/>
   </p:clrMapOvr>
-  <p:timing>
-    <p:tnLst>
-      <p:par>
-        <p:cTn id="1" dur="indefinite" restart="never" nodeType="tmRoot"/>
-      </p:par>
-    </p:tnLst>
-  </p:timing>
 </p:sld>
 </file>
 
@@ -21430,7 +21225,7 @@
           <a:lstStyle/>
           <a:p>
             <a:r>
-              <a:rPr kumimoji="1" lang="en-US" altLang="zh-TW" sz="1200" b="1" dirty="0" smtClean="0">
+              <a:rPr kumimoji="1" lang="en-US" altLang="zh-TW" sz="1200" b="1" dirty="0">
                 <a:solidFill>
                   <a:schemeClr val="accent1">
                     <a:lumMod val="50000"/>
@@ -22815,17 +22610,7 @@
                   <a:latin typeface="Times New Roman" panose="02020603050405020304" pitchFamily="18" charset="0"/>
                   <a:cs typeface="Times New Roman" panose="02020603050405020304" pitchFamily="18" charset="0"/>
                 </a:rPr>
-                <a:t>Token </a:t>
-              </a:r>
-              <a:r>
-                <a:rPr kumimoji="1" lang="en-US" altLang="zh-TW" b="1" dirty="0" smtClean="0">
-                  <a:solidFill>
-                    <a:schemeClr val="tx1"/>
-                  </a:solidFill>
-                  <a:latin typeface="Times New Roman" panose="02020603050405020304" pitchFamily="18" charset="0"/>
-                  <a:cs typeface="Times New Roman" panose="02020603050405020304" pitchFamily="18" charset="0"/>
-                </a:rPr>
-                <a:t>Tracer</a:t>
+                <a:t>Token Tracer</a:t>
               </a:r>
               <a:endParaRPr lang="en-US" altLang="zh-TW" b="1" dirty="0">
                 <a:solidFill>
@@ -23788,7 +23573,7 @@
           <a:lstStyle/>
           <a:p>
             <a:r>
-              <a:rPr kumimoji="1" lang="en-US" altLang="zh-TW" sz="1200" b="1" dirty="0" smtClean="0">
+              <a:rPr kumimoji="1" lang="en-US" altLang="zh-TW" sz="1200" b="1" dirty="0">
                 <a:solidFill>
                   <a:srgbClr val="7030A0"/>
                 </a:solidFill>
@@ -24106,7 +23891,7 @@
           <a:lstStyle/>
           <a:p>
             <a:r>
-              <a:rPr lang="en-US" altLang="zh-TW" b="1" dirty="0" smtClean="0">
+              <a:rPr lang="en-US" altLang="zh-TW" b="1" dirty="0">
                 <a:latin typeface="Times New Roman" panose="02020603050405020304" pitchFamily="18" charset="0"/>
                 <a:cs typeface="Times New Roman" panose="02020603050405020304" pitchFamily="18" charset="0"/>
               </a:rPr>
@@ -24119,34 +23904,34 @@
               <a:buChar char="•"/>
             </a:pPr>
             <a:r>
-              <a:rPr lang="en-US" altLang="zh-TW" dirty="0" smtClean="0">
+              <a:rPr lang="en-US" altLang="zh-TW" dirty="0">
                 <a:latin typeface="Times New Roman" panose="02020603050405020304" pitchFamily="18" charset="0"/>
                 <a:cs typeface="Times New Roman" panose="02020603050405020304" pitchFamily="18" charset="0"/>
               </a:rPr>
               <a:t>Token Address</a:t>
             </a:r>
             <a:r>
-              <a:rPr lang="zh-TW" altLang="en-US" dirty="0" smtClean="0">
+              <a:rPr lang="zh-TW" altLang="en-US" dirty="0">
                 <a:latin typeface="Times New Roman" panose="02020603050405020304" pitchFamily="18" charset="0"/>
                 <a:cs typeface="Times New Roman" panose="02020603050405020304" pitchFamily="18" charset="0"/>
               </a:rPr>
               <a:t>（</a:t>
             </a:r>
             <a:r>
-              <a:rPr lang="en-US" altLang="zh-TW" dirty="0" smtClean="0">
+              <a:rPr lang="en-US" altLang="zh-TW" dirty="0">
                 <a:latin typeface="Times New Roman" panose="02020603050405020304" pitchFamily="18" charset="0"/>
                 <a:cs typeface="Times New Roman" panose="02020603050405020304" pitchFamily="18" charset="0"/>
               </a:rPr>
               <a:t>0xdac17…</a:t>
             </a:r>
             <a:r>
-              <a:rPr lang="zh-TW" altLang="en-US" dirty="0" smtClean="0">
+              <a:rPr lang="zh-TW" altLang="en-US" dirty="0">
                 <a:latin typeface="Times New Roman" panose="02020603050405020304" pitchFamily="18" charset="0"/>
                 <a:cs typeface="Times New Roman" panose="02020603050405020304" pitchFamily="18" charset="0"/>
               </a:rPr>
               <a:t>）</a:t>
             </a:r>
-            <a:endParaRPr lang="en-US" altLang="zh-TW" dirty="0" smtClean="0">
+            <a:endParaRPr lang="en-US" altLang="zh-TW" dirty="0">
               <a:latin typeface="Times New Roman" panose="02020603050405020304" pitchFamily="18" charset="0"/>
               <a:cs typeface="Times New Roman" panose="02020603050405020304" pitchFamily="18" charset="0"/>
             </a:endParaRPr>
@@ -24157,21 +23942,21 @@
               <a:buChar char="•"/>
             </a:pPr>
             <a:r>
-              <a:rPr lang="en-US" altLang="zh-TW" dirty="0" smtClean="0">
+              <a:rPr lang="en-US" altLang="zh-TW" dirty="0">
                 <a:latin typeface="Times New Roman" panose="02020603050405020304" pitchFamily="18" charset="0"/>
                 <a:cs typeface="Times New Roman" panose="02020603050405020304" pitchFamily="18" charset="0"/>
               </a:rPr>
               <a:t>Token Name</a:t>
             </a:r>
             <a:r>
-              <a:rPr lang="zh-TW" altLang="en-US" dirty="0" smtClean="0">
+              <a:rPr lang="zh-TW" altLang="en-US" dirty="0">
                 <a:latin typeface="Times New Roman" panose="02020603050405020304" pitchFamily="18" charset="0"/>
                 <a:cs typeface="Times New Roman" panose="02020603050405020304" pitchFamily="18" charset="0"/>
               </a:rPr>
               <a:t>（</a:t>
             </a:r>
             <a:r>
-              <a:rPr lang="en-US" altLang="zh-TW" dirty="0" smtClean="0">
+              <a:rPr lang="en-US" altLang="zh-TW" dirty="0">
                 <a:latin typeface="Times New Roman" panose="02020603050405020304" pitchFamily="18" charset="0"/>
                 <a:cs typeface="Times New Roman" panose="02020603050405020304" pitchFamily="18" charset="0"/>
               </a:rPr>
@@ -24210,7 +23995,7 @@
           <a:lstStyle/>
           <a:p>
             <a:r>
-              <a:rPr lang="en-US" altLang="zh-TW" sz="1200" b="1" dirty="0" smtClean="0">
+              <a:rPr lang="en-US" altLang="zh-TW" sz="1200" b="1" dirty="0">
                 <a:solidFill>
                   <a:srgbClr val="7030A0"/>
                 </a:solidFill>
@@ -24220,7 +24005,7 @@
               <a:t>Return </a:t>
             </a:r>
             <a:r>
-              <a:rPr lang="en-US" altLang="zh-TW" sz="1200" b="1" dirty="0" err="1" smtClean="0">
+              <a:rPr lang="en-US" altLang="zh-TW" sz="1200" b="1" dirty="0" err="1">
                 <a:solidFill>
                   <a:srgbClr val="7030A0"/>
                 </a:solidFill>
@@ -24262,7 +24047,7 @@
           <a:lstStyle/>
           <a:p>
             <a:r>
-              <a:rPr lang="en-US" altLang="zh-TW" sz="1200" b="1" dirty="0" smtClean="0">
+              <a:rPr lang="en-US" altLang="zh-TW" sz="1200" b="1" dirty="0">
                 <a:solidFill>
                   <a:srgbClr val="7030A0"/>
                 </a:solidFill>
@@ -24272,7 +24057,7 @@
               <a:t>Return </a:t>
             </a:r>
             <a:r>
-              <a:rPr lang="en-US" altLang="zh-TW" sz="1200" b="1" dirty="0" err="1" smtClean="0">
+              <a:rPr lang="en-US" altLang="zh-TW" sz="1200" b="1" dirty="0" err="1">
                 <a:solidFill>
                   <a:srgbClr val="7030A0"/>
                 </a:solidFill>
@@ -24360,7 +24145,7 @@
                     <a:p>
                       <a:pPr algn="ctr"/>
                       <a:r>
-                        <a:rPr lang="en-US" altLang="zh-TW" sz="1200" dirty="0" smtClean="0">
+                        <a:rPr lang="en-US" altLang="zh-TW" sz="1200" dirty="0">
                           <a:latin typeface="Times New Roman" panose="02020603050405020304" pitchFamily="18" charset="0"/>
                           <a:cs typeface="Times New Roman" panose="02020603050405020304" pitchFamily="18" charset="0"/>
                         </a:rPr>
@@ -24472,7 +24257,7 @@
                     <a:p>
                       <a:pPr algn="ctr"/>
                       <a:r>
-                        <a:rPr lang="en-US" altLang="zh-TW" sz="1200" dirty="0" smtClean="0">
+                        <a:rPr lang="en-US" altLang="zh-TW" sz="1200" dirty="0">
                           <a:solidFill>
                             <a:srgbClr val="FF0000"/>
                           </a:solidFill>
@@ -27723,13 +27508,6 @@
   <p:clrMapOvr>
     <a:masterClrMapping/>
   </p:clrMapOvr>
-  <p:timing>
-    <p:tnLst>
-      <p:par>
-        <p:cTn id="1" dur="indefinite" restart="never" nodeType="tmRoot"/>
-      </p:par>
-    </p:tnLst>
-  </p:timing>
 </p:sld>
 </file>
 
@@ -28371,13 +28149,6 @@
   <p:clrMapOvr>
     <a:masterClrMapping/>
   </p:clrMapOvr>
-  <p:timing>
-    <p:tnLst>
-      <p:par>
-        <p:cTn id="1" dur="indefinite" restart="never" nodeType="tmRoot"/>
-      </p:par>
-    </p:tnLst>
-  </p:timing>
 </p:sld>
 </file>
 
@@ -31886,13 +31657,6 @@
   <p:clrMapOvr>
     <a:masterClrMapping/>
   </p:clrMapOvr>
-  <p:timing>
-    <p:tnLst>
-      <p:par>
-        <p:cTn id="1" dur="indefinite" restart="never" nodeType="tmRoot"/>
-      </p:par>
-    </p:tnLst>
-  </p:timing>
 </p:sld>
 </file>
 
@@ -35073,13 +34837,6 @@
   <p:clrMapOvr>
     <a:masterClrMapping/>
   </p:clrMapOvr>
-  <p:timing>
-    <p:tnLst>
-      <p:par>
-        <p:cTn id="1" dur="indefinite" restart="never" nodeType="tmRoot"/>
-      </p:par>
-    </p:tnLst>
-  </p:timing>
 </p:sld>
 </file>
 
@@ -35498,13 +35255,6 @@
   <p:clrMapOvr>
     <a:masterClrMapping/>
   </p:clrMapOvr>
-  <p:timing>
-    <p:tnLst>
-      <p:par>
-        <p:cTn id="1" dur="indefinite" restart="never" nodeType="tmRoot"/>
-      </p:par>
-    </p:tnLst>
-  </p:timing>
 </p:sld>
 </file>
 
@@ -36393,20 +36143,12 @@
               <a:buNone/>
             </a:pPr>
             <a:r>
-              <a:rPr lang="zh-TW" altLang="en-US" sz="3200" dirty="0" smtClean="0">
-                <a:latin typeface="標楷體" panose="03000509000000000000" pitchFamily="65" charset="-120"/>
-                <a:ea typeface="標楷體" panose="03000509000000000000" pitchFamily="65" charset="-120"/>
-                <a:cs typeface="Times New Roman" panose="02020603050405020304" pitchFamily="18" charset="0"/>
-              </a:rPr>
-              <a:t>儲存之交易內</a:t>
-            </a:r>
-            <a:r>
               <a:rPr lang="zh-TW" altLang="en-US" sz="3200" dirty="0">
                 <a:latin typeface="標楷體" panose="03000509000000000000" pitchFamily="65" charset="-120"/>
                 <a:ea typeface="標楷體" panose="03000509000000000000" pitchFamily="65" charset="-120"/>
                 <a:cs typeface="Times New Roman" panose="02020603050405020304" pitchFamily="18" charset="0"/>
               </a:rPr>
-              <a:t>容</a:t>
+              <a:t>儲存之交易內容</a:t>
             </a:r>
             <a:endParaRPr sz="3200" dirty="0">
               <a:latin typeface="標楷體" panose="03000509000000000000" pitchFamily="65" charset="-120"/>
@@ -36415,34 +36157,6 @@
           </a:p>
         </p:txBody>
       </p:sp>
-      <p:pic>
-        <p:nvPicPr>
-          <p:cNvPr id="95" name="Google Shape;95;p17"/>
-          <p:cNvPicPr preferRelativeResize="0"/>
-          <p:nvPr/>
-        </p:nvPicPr>
-        <p:blipFill>
-          <a:blip r:embed="rId3">
-            <a:alphaModFix/>
-          </a:blip>
-          <a:stretch>
-            <a:fillRect/>
-          </a:stretch>
-        </p:blipFill>
-        <p:spPr>
-          <a:xfrm>
-            <a:off x="8226279" y="0"/>
-            <a:ext cx="917724" cy="897849"/>
-          </a:xfrm>
-          <a:prstGeom prst="rect">
-            <a:avLst/>
-          </a:prstGeom>
-          <a:noFill/>
-          <a:ln>
-            <a:noFill/>
-          </a:ln>
-        </p:spPr>
-      </p:pic>
       <p:sp>
         <p:nvSpPr>
           <p:cNvPr id="2" name="投影片編號版面配置區 1"/>
@@ -37643,13 +37357,6 @@
   <p:clrMapOvr>
     <a:masterClrMapping/>
   </p:clrMapOvr>
-  <p:timing>
-    <p:tnLst>
-      <p:par>
-        <p:cTn id="1" dur="indefinite" restart="never" nodeType="tmRoot"/>
-      </p:par>
-    </p:tnLst>
-  </p:timing>
 </p:sld>
 </file>
 
@@ -37891,13 +37598,6 @@
   <p:clrMapOvr>
     <a:masterClrMapping/>
   </p:clrMapOvr>
-  <p:timing>
-    <p:tnLst>
-      <p:par>
-        <p:cTn id="1" dur="indefinite" restart="never" nodeType="tmRoot"/>
-      </p:par>
-    </p:tnLst>
-  </p:timing>
 </p:sld>
 </file>
 
@@ -38171,16 +37871,12 @@
           <a:lstStyle/>
           <a:p>
             <a:r>
-              <a:rPr lang="zh-TW" altLang="en-US" sz="1000" dirty="0" smtClean="0">
+              <a:rPr lang="zh-TW" altLang="en-US" sz="1000" dirty="0">
                 <a:latin typeface="標楷體" panose="03000509000000000000" pitchFamily="65" charset="-120"/>
                 <a:ea typeface="標楷體" panose="03000509000000000000" pitchFamily="65" charset="-120"/>
               </a:rPr>
               <a:t>搜索之區塊範圍</a:t>
             </a:r>
-            <a:endParaRPr lang="zh-TW" altLang="en-US" sz="1000" dirty="0">
-              <a:latin typeface="標楷體" panose="03000509000000000000" pitchFamily="65" charset="-120"/>
-              <a:ea typeface="標楷體" panose="03000509000000000000" pitchFamily="65" charset="-120"/>
-            </a:endParaRPr>
           </a:p>
         </p:txBody>
       </p:sp>
@@ -38194,13 +37890,6 @@
   <p:clrMapOvr>
     <a:masterClrMapping/>
   </p:clrMapOvr>
-  <p:timing>
-    <p:tnLst>
-      <p:par>
-        <p:cTn id="1" dur="indefinite" restart="never" nodeType="tmRoot"/>
-      </p:par>
-    </p:tnLst>
-  </p:timing>
 </p:sld>
 </file>
 
@@ -38302,7 +37991,7 @@
               </a:lnSpc>
             </a:pPr>
             <a:r>
-              <a:rPr lang="zh-TW" altLang="en-US" sz="2400" dirty="0" smtClean="0">
+              <a:rPr lang="zh-TW" altLang="en-US" sz="2400" dirty="0">
                 <a:solidFill>
                   <a:schemeClr val="bg1">
                     <a:lumMod val="75000"/>
@@ -38362,7 +38051,7 @@
               </a:lnSpc>
             </a:pPr>
             <a:r>
-              <a:rPr lang="en-US" altLang="zh-TW" sz="2400" dirty="0" smtClean="0">
+              <a:rPr lang="en-US" altLang="zh-TW" sz="2400" dirty="0">
                 <a:solidFill>
                   <a:schemeClr val="bg1">
                     <a:lumMod val="75000"/>
@@ -38375,7 +38064,7 @@
               <a:t>High Level Idea</a:t>
             </a:r>
             <a:r>
-              <a:rPr lang="zh-TW" altLang="en-US" sz="2400" dirty="0" smtClean="0">
+              <a:rPr lang="zh-TW" altLang="en-US" sz="2400" dirty="0">
                 <a:solidFill>
                   <a:schemeClr val="bg1">
                     <a:lumMod val="75000"/>
@@ -38385,20 +38074,7 @@
                 <a:ea typeface="標楷體" panose="03000509000000000000" pitchFamily="65" charset="-120"/>
                 <a:cs typeface="Times New Roman" panose="02020603050405020304" pitchFamily="18" charset="0"/>
               </a:rPr>
-              <a:t>與</a:t>
-            </a:r>
-            <a:r>
-              <a:rPr lang="zh-TW" altLang="en-US" sz="2400" dirty="0">
-                <a:solidFill>
-                  <a:schemeClr val="bg1">
-                    <a:lumMod val="75000"/>
-                  </a:schemeClr>
-                </a:solidFill>
-                <a:latin typeface="Times New Roman" panose="02020603050405020304" pitchFamily="18" charset="0"/>
-                <a:ea typeface="標楷體" panose="03000509000000000000" pitchFamily="65" charset="-120"/>
-                <a:cs typeface="Times New Roman" panose="02020603050405020304" pitchFamily="18" charset="0"/>
-              </a:rPr>
-              <a:t>技術背景</a:t>
+              <a:t>與技術背景</a:t>
             </a:r>
             <a:endParaRPr lang="en-US" altLang="zh-TW" sz="2400" dirty="0">
               <a:solidFill>
@@ -38538,13 +38214,6 @@
   <p:clrMapOvr>
     <a:masterClrMapping/>
   </p:clrMapOvr>
-  <p:timing>
-    <p:tnLst>
-      <p:par>
-        <p:cTn id="1" dur="indefinite" restart="never" nodeType="tmRoot"/>
-      </p:par>
-    </p:tnLst>
-  </p:timing>
 </p:sld>
 </file>
 
@@ -39571,13 +39240,6 @@
   <p:clrMapOvr>
     <a:masterClrMapping/>
   </p:clrMapOvr>
-  <p:timing>
-    <p:tnLst>
-      <p:par>
-        <p:cTn id="1" dur="indefinite" restart="never" nodeType="tmRoot"/>
-      </p:par>
-    </p:tnLst>
-  </p:timing>
 </p:sld>
 </file>
 
@@ -39769,13 +39431,6 @@
   <p:clrMapOvr>
     <a:masterClrMapping/>
   </p:clrMapOvr>
-  <p:timing>
-    <p:tnLst>
-      <p:par>
-        <p:cTn id="1" dur="indefinite" restart="never" nodeType="tmRoot"/>
-      </p:par>
-    </p:tnLst>
-  </p:timing>
 </p:sld>
 </file>
 
@@ -40014,13 +39669,6 @@
   <p:clrMapOvr>
     <a:masterClrMapping/>
   </p:clrMapOvr>
-  <p:timing>
-    <p:tnLst>
-      <p:par>
-        <p:cTn id="1" dur="indefinite" restart="never" nodeType="tmRoot"/>
-      </p:par>
-    </p:tnLst>
-  </p:timing>
 </p:sld>
 </file>
 
@@ -40287,13 +39935,6 @@
   <p:clrMapOvr>
     <a:masterClrMapping/>
   </p:clrMapOvr>
-  <p:timing>
-    <p:tnLst>
-      <p:par>
-        <p:cTn id="1" dur="indefinite" restart="never" nodeType="tmRoot"/>
-      </p:par>
-    </p:tnLst>
-  </p:timing>
 </p:sld>
 </file>
 
@@ -40382,13 +40023,6 @@
   <p:clrMapOvr>
     <a:masterClrMapping/>
   </p:clrMapOvr>
-  <p:timing>
-    <p:tnLst>
-      <p:par>
-        <p:cTn id="1" dur="indefinite" restart="never" nodeType="tmRoot"/>
-      </p:par>
-    </p:tnLst>
-  </p:timing>
 </p:sld>
 </file>
 
@@ -40490,7 +40124,7 @@
               </a:lnSpc>
             </a:pPr>
             <a:r>
-              <a:rPr lang="zh-TW" altLang="en-US" sz="2400" dirty="0" smtClean="0">
+              <a:rPr lang="zh-TW" altLang="en-US" sz="2400" dirty="0">
                 <a:solidFill>
                   <a:schemeClr val="tx1"/>
                 </a:solidFill>
@@ -40498,18 +40132,7 @@
                 <a:ea typeface="標楷體" panose="03000509000000000000" pitchFamily="65" charset="-120"/>
                 <a:cs typeface="Times New Roman" panose="02020603050405020304" pitchFamily="18" charset="0"/>
               </a:rPr>
-              <a:t>研究問題</a:t>
-            </a:r>
-            <a:r>
-              <a:rPr lang="zh-TW" altLang="en-US" sz="2400" dirty="0">
-                <a:solidFill>
-                  <a:schemeClr val="tx1"/>
-                </a:solidFill>
-                <a:latin typeface="Times New Roman" panose="02020603050405020304" pitchFamily="18" charset="0"/>
-                <a:ea typeface="標楷體" panose="03000509000000000000" pitchFamily="65" charset="-120"/>
-                <a:cs typeface="Times New Roman" panose="02020603050405020304" pitchFamily="18" charset="0"/>
-              </a:rPr>
-              <a:t>介紹</a:t>
+              <a:t>研究問題介紹</a:t>
             </a:r>
             <a:endParaRPr lang="en-US" altLang="zh-TW" sz="2000" dirty="0">
               <a:solidFill>
@@ -40553,7 +40176,7 @@
               </a:lnSpc>
             </a:pPr>
             <a:r>
-              <a:rPr lang="en-US" altLang="zh-TW" sz="2400" dirty="0" smtClean="0">
+              <a:rPr lang="en-US" altLang="zh-TW" sz="2400" dirty="0">
                 <a:solidFill>
                   <a:schemeClr val="tx1"/>
                 </a:solidFill>
@@ -40564,7 +40187,7 @@
               <a:t>High Level Idea</a:t>
             </a:r>
             <a:r>
-              <a:rPr lang="zh-TW" altLang="en-US" sz="2400" dirty="0" smtClean="0">
+              <a:rPr lang="zh-TW" altLang="en-US" sz="2400" dirty="0">
                 <a:solidFill>
                   <a:schemeClr val="tx1"/>
                 </a:solidFill>
@@ -40572,18 +40195,7 @@
                 <a:ea typeface="標楷體" panose="03000509000000000000" pitchFamily="65" charset="-120"/>
                 <a:cs typeface="Times New Roman" panose="02020603050405020304" pitchFamily="18" charset="0"/>
               </a:rPr>
-              <a:t>與</a:t>
-            </a:r>
-            <a:r>
-              <a:rPr lang="zh-TW" altLang="en-US" sz="2400" dirty="0">
-                <a:solidFill>
-                  <a:schemeClr val="tx1"/>
-                </a:solidFill>
-                <a:latin typeface="Times New Roman" panose="02020603050405020304" pitchFamily="18" charset="0"/>
-                <a:ea typeface="標楷體" panose="03000509000000000000" pitchFamily="65" charset="-120"/>
-                <a:cs typeface="Times New Roman" panose="02020603050405020304" pitchFamily="18" charset="0"/>
-              </a:rPr>
-              <a:t>技術背景</a:t>
+              <a:t>與技術背景</a:t>
             </a:r>
             <a:endParaRPr lang="en-US" altLang="zh-TW" sz="2400" dirty="0">
               <a:solidFill>
@@ -40717,13 +40329,6 @@
   <p:clrMapOvr>
     <a:masterClrMapping/>
   </p:clrMapOvr>
-  <p:timing>
-    <p:tnLst>
-      <p:par>
-        <p:cTn id="1" dur="indefinite" restart="never" nodeType="tmRoot"/>
-      </p:par>
-    </p:tnLst>
-  </p:timing>
 </p:sld>
 </file>
 
@@ -40881,7 +40486,7 @@
               </a:lnSpc>
             </a:pPr>
             <a:r>
-              <a:rPr lang="en-US" altLang="zh-TW" sz="2400" dirty="0" smtClean="0">
+              <a:rPr lang="en-US" altLang="zh-TW" sz="2400" dirty="0">
                 <a:solidFill>
                   <a:schemeClr val="bg1">
                     <a:lumMod val="75000"/>
@@ -40894,7 +40499,7 @@
               <a:t>High Level Idea</a:t>
             </a:r>
             <a:r>
-              <a:rPr lang="zh-TW" altLang="en-US" sz="2400" dirty="0" smtClean="0">
+              <a:rPr lang="zh-TW" altLang="en-US" sz="2400" dirty="0">
                 <a:solidFill>
                   <a:schemeClr val="bg1">
                     <a:lumMod val="75000"/>
@@ -40904,20 +40509,7 @@
                 <a:ea typeface="標楷體" panose="03000509000000000000" pitchFamily="65" charset="-120"/>
                 <a:cs typeface="Times New Roman" panose="02020603050405020304" pitchFamily="18" charset="0"/>
               </a:rPr>
-              <a:t>與</a:t>
-            </a:r>
-            <a:r>
-              <a:rPr lang="zh-TW" altLang="en-US" sz="2400" dirty="0">
-                <a:solidFill>
-                  <a:schemeClr val="bg1">
-                    <a:lumMod val="75000"/>
-                  </a:schemeClr>
-                </a:solidFill>
-                <a:latin typeface="Times New Roman" panose="02020603050405020304" pitchFamily="18" charset="0"/>
-                <a:ea typeface="標楷體" panose="03000509000000000000" pitchFamily="65" charset="-120"/>
-                <a:cs typeface="Times New Roman" panose="02020603050405020304" pitchFamily="18" charset="0"/>
-              </a:rPr>
-              <a:t>技術背景</a:t>
+              <a:t>與技術背景</a:t>
             </a:r>
             <a:endParaRPr lang="en-US" altLang="zh-TW" sz="2400" dirty="0">
               <a:solidFill>
@@ -41063,13 +40655,6 @@
   <p:clrMapOvr>
     <a:masterClrMapping/>
   </p:clrMapOvr>
-  <p:timing>
-    <p:tnLst>
-      <p:par>
-        <p:cTn id="1" dur="indefinite" restart="never" nodeType="tmRoot"/>
-      </p:par>
-    </p:tnLst>
-  </p:timing>
 </p:sld>
 </file>
 
@@ -42634,14 +42219,14 @@
           <a:lstStyle/>
           <a:p>
             <a:r>
-              <a:rPr lang="zh-TW" altLang="en-US" dirty="0" smtClean="0">
+              <a:rPr lang="zh-TW" altLang="en-US" dirty="0">
                 <a:latin typeface="標楷體" panose="03000509000000000000" pitchFamily="65" charset="-120"/>
                 <a:ea typeface="標楷體" panose="03000509000000000000" pitchFamily="65" charset="-120"/>
               </a:rPr>
               <a:t>我想知道在</a:t>
             </a:r>
             <a:r>
-              <a:rPr lang="zh-TW" altLang="en-US" dirty="0" smtClean="0">
+              <a:rPr lang="zh-TW" altLang="en-US" dirty="0">
                 <a:solidFill>
                   <a:srgbClr val="FF0000"/>
                 </a:solidFill>
@@ -42651,7 +42236,7 @@
               <a:t>區塊高度</a:t>
             </a:r>
             <a:r>
-              <a:rPr lang="en-US" altLang="zh-TW" dirty="0" smtClean="0">
+              <a:rPr lang="en-US" altLang="zh-TW" dirty="0">
                 <a:solidFill>
                   <a:srgbClr val="FF0000"/>
                 </a:solidFill>
@@ -42662,7 +42247,7 @@
               <a:t>1118~1138</a:t>
             </a:r>
             <a:r>
-              <a:rPr lang="zh-TW" altLang="en-US" dirty="0" smtClean="0">
+              <a:rPr lang="zh-TW" altLang="en-US" dirty="0">
                 <a:solidFill>
                   <a:srgbClr val="FF0000"/>
                 </a:solidFill>
@@ -42672,14 +42257,14 @@
               <a:t>間</a:t>
             </a:r>
             <a:r>
-              <a:rPr lang="zh-TW" altLang="en-US" dirty="0" smtClean="0">
+              <a:rPr lang="zh-TW" altLang="en-US" dirty="0">
                 <a:latin typeface="標楷體" panose="03000509000000000000" pitchFamily="65" charset="-120"/>
                 <a:ea typeface="標楷體" panose="03000509000000000000" pitchFamily="65" charset="-120"/>
               </a:rPr>
               <a:t>，</a:t>
             </a:r>
             <a:r>
-              <a:rPr lang="en-US" altLang="zh-TW" dirty="0" smtClean="0">
+              <a:rPr lang="en-US" altLang="zh-TW" dirty="0">
                 <a:solidFill>
                   <a:srgbClr val="FF0000"/>
                 </a:solidFill>
@@ -42690,7 +42275,7 @@
               <a:t>Alice</a:t>
             </a:r>
             <a:r>
-              <a:rPr lang="zh-TW" altLang="en-US" dirty="0" smtClean="0">
+              <a:rPr lang="zh-TW" altLang="en-US" dirty="0">
                 <a:solidFill>
                   <a:srgbClr val="FF0000"/>
                 </a:solidFill>
@@ -42700,7 +42285,7 @@
               <a:t>給</a:t>
             </a:r>
             <a:r>
-              <a:rPr lang="en-US" altLang="zh-TW" dirty="0" smtClean="0">
+              <a:rPr lang="en-US" altLang="zh-TW" dirty="0">
                 <a:solidFill>
                   <a:srgbClr val="FF0000"/>
                 </a:solidFill>
@@ -42711,7 +42296,7 @@
               <a:t>Bob</a:t>
             </a:r>
             <a:r>
-              <a:rPr lang="zh-TW" altLang="en-US" dirty="0" smtClean="0">
+              <a:rPr lang="zh-TW" altLang="en-US" dirty="0">
                 <a:solidFill>
                   <a:srgbClr val="FF0000"/>
                 </a:solidFill>
@@ -42721,7 +42306,7 @@
               <a:t>多少</a:t>
             </a:r>
             <a:r>
-              <a:rPr lang="en-US" altLang="zh-TW" dirty="0" smtClean="0">
+              <a:rPr lang="en-US" altLang="zh-TW" dirty="0">
                 <a:solidFill>
                   <a:srgbClr val="FF0000"/>
                 </a:solidFill>
@@ -42796,163 +42381,6 @@
   <p:clrMapOvr>
     <a:masterClrMapping/>
   </p:clrMapOvr>
-  <p:timing>
-    <p:tnLst>
-      <p:par>
-        <p:cTn id="1" dur="indefinite" restart="never" nodeType="tmRoot">
-          <p:childTnLst>
-            <p:seq concurrent="1" nextAc="seek">
-              <p:cTn id="2" dur="indefinite" nodeType="mainSeq">
-                <p:childTnLst>
-                  <p:par>
-                    <p:cTn id="3" fill="hold">
-                      <p:stCondLst>
-                        <p:cond delay="indefinite"/>
-                      </p:stCondLst>
-                      <p:childTnLst>
-                        <p:par>
-                          <p:cTn id="4" fill="hold">
-                            <p:stCondLst>
-                              <p:cond delay="0"/>
-                            </p:stCondLst>
-                            <p:childTnLst>
-                              <p:par>
-                                <p:cTn id="5" presetID="14" presetClass="entr" presetSubtype="10" fill="hold" grpId="0" nodeType="clickEffect">
-                                  <p:stCondLst>
-                                    <p:cond delay="0"/>
-                                  </p:stCondLst>
-                                  <p:childTnLst>
-                                    <p:set>
-                                      <p:cBhvr>
-                                        <p:cTn id="6" dur="1" fill="hold">
-                                          <p:stCondLst>
-                                            <p:cond delay="0"/>
-                                          </p:stCondLst>
-                                        </p:cTn>
-                                        <p:tgtEl>
-                                          <p:spTgt spid="5"/>
-                                        </p:tgtEl>
-                                        <p:attrNameLst>
-                                          <p:attrName>style.visibility</p:attrName>
-                                        </p:attrNameLst>
-                                      </p:cBhvr>
-                                      <p:to>
-                                        <p:strVal val="visible"/>
-                                      </p:to>
-                                    </p:set>
-                                    <p:animEffect transition="in" filter="randombar(horizontal)">
-                                      <p:cBhvr>
-                                        <p:cTn id="7" dur="500"/>
-                                        <p:tgtEl>
-                                          <p:spTgt spid="5"/>
-                                        </p:tgtEl>
-                                      </p:cBhvr>
-                                    </p:animEffect>
-                                  </p:childTnLst>
-                                </p:cTn>
-                              </p:par>
-                              <p:par>
-                                <p:cTn id="8" presetID="14" presetClass="entr" presetSubtype="10" fill="hold" grpId="0" nodeType="withEffect">
-                                  <p:stCondLst>
-                                    <p:cond delay="0"/>
-                                  </p:stCondLst>
-                                  <p:childTnLst>
-                                    <p:set>
-                                      <p:cBhvr>
-                                        <p:cTn id="9" dur="1" fill="hold">
-                                          <p:stCondLst>
-                                            <p:cond delay="0"/>
-                                          </p:stCondLst>
-                                        </p:cTn>
-                                        <p:tgtEl>
-                                          <p:spTgt spid="4"/>
-                                        </p:tgtEl>
-                                        <p:attrNameLst>
-                                          <p:attrName>style.visibility</p:attrName>
-                                        </p:attrNameLst>
-                                      </p:cBhvr>
-                                      <p:to>
-                                        <p:strVal val="visible"/>
-                                      </p:to>
-                                    </p:set>
-                                    <p:animEffect transition="in" filter="randombar(horizontal)">
-                                      <p:cBhvr>
-                                        <p:cTn id="10" dur="500"/>
-                                        <p:tgtEl>
-                                          <p:spTgt spid="4"/>
-                                        </p:tgtEl>
-                                      </p:cBhvr>
-                                    </p:animEffect>
-                                  </p:childTnLst>
-                                </p:cTn>
-                              </p:par>
-                              <p:par>
-                                <p:cTn id="11" presetID="14" presetClass="entr" presetSubtype="10" fill="hold" nodeType="withEffect">
-                                  <p:stCondLst>
-                                    <p:cond delay="0"/>
-                                  </p:stCondLst>
-                                  <p:childTnLst>
-                                    <p:set>
-                                      <p:cBhvr>
-                                        <p:cTn id="12" dur="1" fill="hold">
-                                          <p:stCondLst>
-                                            <p:cond delay="0"/>
-                                          </p:stCondLst>
-                                        </p:cTn>
-                                        <p:tgtEl>
-                                          <p:spTgt spid="13"/>
-                                        </p:tgtEl>
-                                        <p:attrNameLst>
-                                          <p:attrName>style.visibility</p:attrName>
-                                        </p:attrNameLst>
-                                      </p:cBhvr>
-                                      <p:to>
-                                        <p:strVal val="visible"/>
-                                      </p:to>
-                                    </p:set>
-                                    <p:animEffect transition="in" filter="randombar(horizontal)">
-                                      <p:cBhvr>
-                                        <p:cTn id="13" dur="500"/>
-                                        <p:tgtEl>
-                                          <p:spTgt spid="13"/>
-                                        </p:tgtEl>
-                                      </p:cBhvr>
-                                    </p:animEffect>
-                                  </p:childTnLst>
-                                </p:cTn>
-                              </p:par>
-                            </p:childTnLst>
-                          </p:cTn>
-                        </p:par>
-                      </p:childTnLst>
-                    </p:cTn>
-                  </p:par>
-                </p:childTnLst>
-              </p:cTn>
-              <p:prevCondLst>
-                <p:cond evt="onPrev" delay="0">
-                  <p:tgtEl>
-                    <p:sldTgt/>
-                  </p:tgtEl>
-                </p:cond>
-              </p:prevCondLst>
-              <p:nextCondLst>
-                <p:cond evt="onNext" delay="0">
-                  <p:tgtEl>
-                    <p:sldTgt/>
-                  </p:tgtEl>
-                </p:cond>
-              </p:nextCondLst>
-            </p:seq>
-          </p:childTnLst>
-        </p:cTn>
-      </p:par>
-    </p:tnLst>
-    <p:bldLst>
-      <p:bldP spid="4" grpId="0"/>
-      <p:bldP spid="5" grpId="0" animBg="1"/>
-    </p:bldLst>
-  </p:timing>
 </p:sld>
 </file>
 
@@ -44128,13 +43556,6 @@
   <p:clrMapOvr>
     <a:masterClrMapping/>
   </p:clrMapOvr>
-  <p:timing>
-    <p:tnLst>
-      <p:par>
-        <p:cTn id="1" dur="indefinite" restart="never" nodeType="tmRoot"/>
-      </p:par>
-    </p:tnLst>
-  </p:timing>
 </p:sld>
 </file>
 
@@ -44486,13 +43907,6 @@
   <p:clrMapOvr>
     <a:masterClrMapping/>
   </p:clrMapOvr>
-  <p:timing>
-    <p:tnLst>
-      <p:par>
-        <p:cTn id="1" dur="indefinite" restart="never" nodeType="tmRoot"/>
-      </p:par>
-    </p:tnLst>
-  </p:timing>
 </p:sld>
 </file>
 
@@ -44594,7 +44008,7 @@
               </a:lnSpc>
             </a:pPr>
             <a:r>
-              <a:rPr lang="zh-TW" altLang="en-US" sz="2400" dirty="0" smtClean="0">
+              <a:rPr lang="zh-TW" altLang="en-US" sz="2400" dirty="0">
                 <a:solidFill>
                   <a:schemeClr val="bg1">
                     <a:lumMod val="75000"/>
@@ -44604,20 +44018,7 @@
                 <a:ea typeface="標楷體" panose="03000509000000000000" pitchFamily="65" charset="-120"/>
                 <a:cs typeface="Times New Roman" panose="02020603050405020304" pitchFamily="18" charset="0"/>
               </a:rPr>
-              <a:t>研究問題</a:t>
-            </a:r>
-            <a:r>
-              <a:rPr lang="zh-TW" altLang="en-US" sz="2400" dirty="0">
-                <a:solidFill>
-                  <a:schemeClr val="bg1">
-                    <a:lumMod val="75000"/>
-                  </a:schemeClr>
-                </a:solidFill>
-                <a:latin typeface="Times New Roman" panose="02020603050405020304" pitchFamily="18" charset="0"/>
-                <a:ea typeface="標楷體" panose="03000509000000000000" pitchFamily="65" charset="-120"/>
-                <a:cs typeface="Times New Roman" panose="02020603050405020304" pitchFamily="18" charset="0"/>
-              </a:rPr>
-              <a:t>介紹</a:t>
+              <a:t>研究問題介紹</a:t>
             </a:r>
             <a:endParaRPr lang="en-US" altLang="zh-TW" sz="2400" dirty="0">
               <a:solidFill>
@@ -44665,7 +44066,7 @@
               </a:lnSpc>
             </a:pPr>
             <a:r>
-              <a:rPr lang="en-US" altLang="zh-TW" sz="2400" dirty="0" smtClean="0">
+              <a:rPr lang="en-US" altLang="zh-TW" sz="2400" dirty="0">
                 <a:solidFill>
                   <a:schemeClr val="bg1">
                     <a:lumMod val="75000"/>
@@ -44678,7 +44079,7 @@
               <a:t>High Level Idea</a:t>
             </a:r>
             <a:r>
-              <a:rPr lang="zh-TW" altLang="en-US" sz="2400" dirty="0" smtClean="0">
+              <a:rPr lang="zh-TW" altLang="en-US" sz="2400" dirty="0">
                 <a:solidFill>
                   <a:schemeClr val="bg1">
                     <a:lumMod val="75000"/>
@@ -44688,20 +44089,7 @@
                 <a:ea typeface="標楷體" panose="03000509000000000000" pitchFamily="65" charset="-120"/>
                 <a:cs typeface="Times New Roman" panose="02020603050405020304" pitchFamily="18" charset="0"/>
               </a:rPr>
-              <a:t>與</a:t>
-            </a:r>
-            <a:r>
-              <a:rPr lang="zh-TW" altLang="en-US" sz="2400" dirty="0">
-                <a:solidFill>
-                  <a:schemeClr val="bg1">
-                    <a:lumMod val="75000"/>
-                  </a:schemeClr>
-                </a:solidFill>
-                <a:latin typeface="Times New Roman" panose="02020603050405020304" pitchFamily="18" charset="0"/>
-                <a:ea typeface="標楷體" panose="03000509000000000000" pitchFamily="65" charset="-120"/>
-                <a:cs typeface="Times New Roman" panose="02020603050405020304" pitchFamily="18" charset="0"/>
-              </a:rPr>
-              <a:t>技術背景</a:t>
+              <a:t>與技術背景</a:t>
             </a:r>
             <a:endParaRPr lang="en-US" altLang="zh-TW" sz="2400" dirty="0">
               <a:solidFill>
@@ -44847,13 +44235,6 @@
   <p:clrMapOvr>
     <a:masterClrMapping/>
   </p:clrMapOvr>
-  <p:timing>
-    <p:tnLst>
-      <p:par>
-        <p:cTn id="1" dur="indefinite" restart="never" nodeType="tmRoot"/>
-      </p:par>
-    </p:tnLst>
-  </p:timing>
 </p:sld>
 </file>
 

--- a/Documents/論文簡報_FINAL.pptx
+++ b/Documents/論文簡報_FINAL.pptx
@@ -17787,8 +17787,9 @@
                 <a:solidFill>
                   <a:srgbClr val="FF0000"/>
                 </a:solidFill>
-                <a:latin typeface="標楷體" panose="03000509000000000000" pitchFamily="65" charset="-120"/>
+                <a:latin typeface="Times New Roman" panose="02020603050405020304" pitchFamily="18" charset="0"/>
                 <a:ea typeface="標楷體" panose="03000509000000000000" pitchFamily="65" charset="-120"/>
+                <a:cs typeface="Times New Roman" panose="02020603050405020304" pitchFamily="18" charset="0"/>
               </a:rPr>
               <a:t>Notary</a:t>
             </a:r>
@@ -17847,8 +17848,9 @@
                 <a:solidFill>
                   <a:schemeClr val="tx1"/>
                 </a:solidFill>
-                <a:latin typeface="標楷體" panose="03000509000000000000" pitchFamily="65" charset="-120"/>
+                <a:latin typeface="Times New Roman" panose="02020603050405020304" pitchFamily="18" charset="0"/>
                 <a:ea typeface="標楷體" panose="03000509000000000000" pitchFamily="65" charset="-120"/>
+                <a:cs typeface="Times New Roman" panose="02020603050405020304" pitchFamily="18" charset="0"/>
               </a:rPr>
               <a:t>Relay</a:t>
             </a:r>
